--- a/doc/presentations/VT-CS-5510/Concurrent-GARTH.pptx
+++ b/doc/presentations/VT-CS-5510/Concurrent-GARTH.pptx
@@ -6,17 +6,20 @@
     <p:sldMasterId id="2147483660" r:id="rId2"/>
   </p:sldMasterIdLst>
   <p:notesMasterIdLst>
-    <p:notesMasterId r:id="rId8"/>
+    <p:notesMasterId r:id="rId11"/>
   </p:notesMasterIdLst>
   <p:handoutMasterIdLst>
-    <p:handoutMasterId r:id="rId9"/>
+    <p:handoutMasterId r:id="rId12"/>
   </p:handoutMasterIdLst>
   <p:sldIdLst>
     <p:sldId id="256" r:id="rId3"/>
     <p:sldId id="258" r:id="rId4"/>
-    <p:sldId id="280" r:id="rId5"/>
-    <p:sldId id="281" r:id="rId6"/>
-    <p:sldId id="275" r:id="rId7"/>
+    <p:sldId id="261" r:id="rId5"/>
+    <p:sldId id="262" r:id="rId6"/>
+    <p:sldId id="263" r:id="rId7"/>
+    <p:sldId id="264" r:id="rId8"/>
+    <p:sldId id="265" r:id="rId9"/>
+    <p:sldId id="260" r:id="rId10"/>
   </p:sldIdLst>
   <p:sldSz cx="9144000" cy="6858000" type="screen4x3"/>
   <p:notesSz cx="6858000" cy="9144000"/>
@@ -1076,6 +1079,267 @@
 </p:notes>
 </file>
 
+<file path=ppt/notesSlides/notesSlide6.xml><?xml version="1.0" encoding="utf-8"?>
+<p:notes xmlns:a="http://schemas.openxmlformats.org/drawingml/2006/main" xmlns:r="http://schemas.openxmlformats.org/officeDocument/2006/relationships" xmlns:p="http://schemas.openxmlformats.org/presentationml/2006/main">
+  <p:cSld>
+    <p:spTree>
+      <p:nvGrpSpPr>
+        <p:cNvPr id="1" name=""/>
+        <p:cNvGrpSpPr/>
+        <p:nvPr/>
+      </p:nvGrpSpPr>
+      <p:grpSpPr>
+        <a:xfrm>
+          <a:off x="0" y="0"/>
+          <a:ext cx="0" cy="0"/>
+          <a:chOff x="0" y="0"/>
+          <a:chExt cx="0" cy="0"/>
+        </a:xfrm>
+      </p:grpSpPr>
+      <p:sp>
+        <p:nvSpPr>
+          <p:cNvPr id="2" name="Slide Image Placeholder 1"/>
+          <p:cNvSpPr>
+            <a:spLocks noGrp="1" noRot="1" noChangeAspect="1"/>
+          </p:cNvSpPr>
+          <p:nvPr>
+            <p:ph type="sldImg"/>
+          </p:nvPr>
+        </p:nvSpPr>
+        <p:spPr>
+          <a:xfrm>
+            <a:off x="1143000" y="685800"/>
+            <a:ext cx="4572000" cy="3429000"/>
+          </a:xfrm>
+        </p:spPr>
+      </p:sp>
+      <p:sp>
+        <p:nvSpPr>
+          <p:cNvPr id="3" name="Notes Placeholder 2"/>
+          <p:cNvSpPr>
+            <a:spLocks noGrp="1"/>
+          </p:cNvSpPr>
+          <p:nvPr>
+            <p:ph type="body" idx="1"/>
+          </p:nvPr>
+        </p:nvSpPr>
+        <p:spPr/>
+        <p:txBody>
+          <a:bodyPr>
+            <a:normAutofit/>
+          </a:bodyPr>
+          <a:lstStyle/>
+          <a:p>
+            <a:endParaRPr lang="en-US"/>
+          </a:p>
+        </p:txBody>
+      </p:sp>
+      <p:sp>
+        <p:nvSpPr>
+          <p:cNvPr id="4" name="Slide Number Placeholder 3"/>
+          <p:cNvSpPr>
+            <a:spLocks noGrp="1"/>
+          </p:cNvSpPr>
+          <p:nvPr>
+            <p:ph type="sldNum" sz="quarter" idx="10"/>
+          </p:nvPr>
+        </p:nvSpPr>
+        <p:spPr/>
+        <p:txBody>
+          <a:bodyPr/>
+          <a:lstStyle/>
+          <a:p>
+            <a:fld id="{EC60B1A8-FEDC-4896-9407-D08B494A8462}" type="slidenum">
+              <a:rPr lang="en-US" smtClean="0"/>
+              <a:pPr/>
+              <a:t>6</a:t>
+            </a:fld>
+            <a:endParaRPr lang="en-US"/>
+          </a:p>
+        </p:txBody>
+      </p:sp>
+    </p:spTree>
+  </p:cSld>
+  <p:clrMapOvr>
+    <a:masterClrMapping/>
+  </p:clrMapOvr>
+</p:notes>
+</file>
+
+<file path=ppt/notesSlides/notesSlide7.xml><?xml version="1.0" encoding="utf-8"?>
+<p:notes xmlns:a="http://schemas.openxmlformats.org/drawingml/2006/main" xmlns:r="http://schemas.openxmlformats.org/officeDocument/2006/relationships" xmlns:p="http://schemas.openxmlformats.org/presentationml/2006/main">
+  <p:cSld>
+    <p:spTree>
+      <p:nvGrpSpPr>
+        <p:cNvPr id="1" name=""/>
+        <p:cNvGrpSpPr/>
+        <p:nvPr/>
+      </p:nvGrpSpPr>
+      <p:grpSpPr>
+        <a:xfrm>
+          <a:off x="0" y="0"/>
+          <a:ext cx="0" cy="0"/>
+          <a:chOff x="0" y="0"/>
+          <a:chExt cx="0" cy="0"/>
+        </a:xfrm>
+      </p:grpSpPr>
+      <p:sp>
+        <p:nvSpPr>
+          <p:cNvPr id="2" name="Slide Image Placeholder 1"/>
+          <p:cNvSpPr>
+            <a:spLocks noGrp="1" noRot="1" noChangeAspect="1"/>
+          </p:cNvSpPr>
+          <p:nvPr>
+            <p:ph type="sldImg"/>
+          </p:nvPr>
+        </p:nvSpPr>
+        <p:spPr>
+          <a:xfrm>
+            <a:off x="1143000" y="685800"/>
+            <a:ext cx="4572000" cy="3429000"/>
+          </a:xfrm>
+        </p:spPr>
+      </p:sp>
+      <p:sp>
+        <p:nvSpPr>
+          <p:cNvPr id="3" name="Notes Placeholder 2"/>
+          <p:cNvSpPr>
+            <a:spLocks noGrp="1"/>
+          </p:cNvSpPr>
+          <p:nvPr>
+            <p:ph type="body" idx="1"/>
+          </p:nvPr>
+        </p:nvSpPr>
+        <p:spPr/>
+        <p:txBody>
+          <a:bodyPr>
+            <a:normAutofit/>
+          </a:bodyPr>
+          <a:lstStyle/>
+          <a:p>
+            <a:endParaRPr lang="en-US"/>
+          </a:p>
+        </p:txBody>
+      </p:sp>
+      <p:sp>
+        <p:nvSpPr>
+          <p:cNvPr id="4" name="Slide Number Placeholder 3"/>
+          <p:cNvSpPr>
+            <a:spLocks noGrp="1"/>
+          </p:cNvSpPr>
+          <p:nvPr>
+            <p:ph type="sldNum" sz="quarter" idx="10"/>
+          </p:nvPr>
+        </p:nvSpPr>
+        <p:spPr/>
+        <p:txBody>
+          <a:bodyPr/>
+          <a:lstStyle/>
+          <a:p>
+            <a:fld id="{EC60B1A8-FEDC-4896-9407-D08B494A8462}" type="slidenum">
+              <a:rPr lang="en-US" smtClean="0"/>
+              <a:pPr/>
+              <a:t>7</a:t>
+            </a:fld>
+            <a:endParaRPr lang="en-US"/>
+          </a:p>
+        </p:txBody>
+      </p:sp>
+    </p:spTree>
+  </p:cSld>
+  <p:clrMapOvr>
+    <a:masterClrMapping/>
+  </p:clrMapOvr>
+</p:notes>
+</file>
+
+<file path=ppt/notesSlides/notesSlide8.xml><?xml version="1.0" encoding="utf-8"?>
+<p:notes xmlns:a="http://schemas.openxmlformats.org/drawingml/2006/main" xmlns:r="http://schemas.openxmlformats.org/officeDocument/2006/relationships" xmlns:p="http://schemas.openxmlformats.org/presentationml/2006/main">
+  <p:cSld>
+    <p:spTree>
+      <p:nvGrpSpPr>
+        <p:cNvPr id="1" name=""/>
+        <p:cNvGrpSpPr/>
+        <p:nvPr/>
+      </p:nvGrpSpPr>
+      <p:grpSpPr>
+        <a:xfrm>
+          <a:off x="0" y="0"/>
+          <a:ext cx="0" cy="0"/>
+          <a:chOff x="0" y="0"/>
+          <a:chExt cx="0" cy="0"/>
+        </a:xfrm>
+      </p:grpSpPr>
+      <p:sp>
+        <p:nvSpPr>
+          <p:cNvPr id="2" name="Slide Image Placeholder 1"/>
+          <p:cNvSpPr>
+            <a:spLocks noGrp="1" noRot="1" noChangeAspect="1"/>
+          </p:cNvSpPr>
+          <p:nvPr>
+            <p:ph type="sldImg"/>
+          </p:nvPr>
+        </p:nvSpPr>
+        <p:spPr>
+          <a:xfrm>
+            <a:off x="1143000" y="685800"/>
+            <a:ext cx="4572000" cy="3429000"/>
+          </a:xfrm>
+        </p:spPr>
+      </p:sp>
+      <p:sp>
+        <p:nvSpPr>
+          <p:cNvPr id="3" name="Notes Placeholder 2"/>
+          <p:cNvSpPr>
+            <a:spLocks noGrp="1"/>
+          </p:cNvSpPr>
+          <p:nvPr>
+            <p:ph type="body" idx="1"/>
+          </p:nvPr>
+        </p:nvSpPr>
+        <p:spPr/>
+        <p:txBody>
+          <a:bodyPr>
+            <a:normAutofit/>
+          </a:bodyPr>
+          <a:lstStyle/>
+          <a:p>
+            <a:endParaRPr lang="en-US"/>
+          </a:p>
+        </p:txBody>
+      </p:sp>
+      <p:sp>
+        <p:nvSpPr>
+          <p:cNvPr id="4" name="Slide Number Placeholder 3"/>
+          <p:cNvSpPr>
+            <a:spLocks noGrp="1"/>
+          </p:cNvSpPr>
+          <p:nvPr>
+            <p:ph type="sldNum" sz="quarter" idx="10"/>
+          </p:nvPr>
+        </p:nvSpPr>
+        <p:spPr/>
+        <p:txBody>
+          <a:bodyPr/>
+          <a:lstStyle/>
+          <a:p>
+            <a:fld id="{EC60B1A8-FEDC-4896-9407-D08B494A8462}" type="slidenum">
+              <a:rPr lang="en-US" smtClean="0"/>
+              <a:pPr/>
+              <a:t>8</a:t>
+            </a:fld>
+            <a:endParaRPr lang="en-US"/>
+          </a:p>
+        </p:txBody>
+      </p:sp>
+    </p:spTree>
+  </p:cSld>
+  <p:clrMapOvr>
+    <a:masterClrMapping/>
+  </p:clrMapOvr>
+</p:notes>
+</file>
+
 <file path=ppt/slideLayouts/slideLayout1.xml><?xml version="1.0" encoding="utf-8"?>
 <p:sldLayout xmlns:a="http://schemas.openxmlformats.org/drawingml/2006/main" xmlns:r="http://schemas.openxmlformats.org/officeDocument/2006/relationships" xmlns:p="http://schemas.openxmlformats.org/presentationml/2006/main" type="title" preserve="1">
   <p:cSld name="Title Slide">
@@ -6277,7 +6541,7 @@
           <p:nvPr userDrawn="1"/>
         </p:nvPicPr>
         <mc:AlternateContent xmlns:mc="http://schemas.openxmlformats.org/markup-compatibility/2006">
-          <mc:Choice xmlns:ma="http://schemas.microsoft.com/office/mac/drawingml/2008/main" xmlns:mv="urn:schemas-microsoft-com:mac:vml" xmlns="" Requires="ma">
+          <mc:Choice xmlns="" xmlns:mv="urn:schemas-microsoft-com:mac:vml" xmlns:ma="http://schemas.microsoft.com/office/mac/drawingml/2008/main" Requires="ma">
             <p:blipFill>
               <a:blip r:embed="rId15"/>
               <a:srcRect l="-5579" r="-5579"/>
@@ -7348,13 +7612,6 @@
               </a:rPr>
               <a:t>Virginia Tech</a:t>
             </a:r>
-            <a:endParaRPr lang="en-US" sz="1600" dirty="0" smtClean="0">
-              <a:solidFill>
-                <a:schemeClr val="bg1"/>
-              </a:solidFill>
-              <a:latin typeface="Helvetica Neue Light"/>
-              <a:cs typeface="Helvetica Neue Light"/>
-            </a:endParaRPr>
           </a:p>
           <a:p>
             <a:r>
@@ -7365,17 +7622,7 @@
                 <a:latin typeface="Helvetica Neue Light"/>
                 <a:cs typeface="Helvetica Neue Light"/>
               </a:rPr>
-              <a:t>Department of </a:t>
-            </a:r>
-            <a:r>
-              <a:rPr lang="en-US" sz="1600" dirty="0" smtClean="0">
-                <a:solidFill>
-                  <a:schemeClr val="bg1"/>
-                </a:solidFill>
-                <a:latin typeface="Helvetica Neue Light"/>
-                <a:cs typeface="Helvetica Neue Light"/>
-              </a:rPr>
-              <a:t>Engineering Science &amp; Mechanics</a:t>
+              <a:t>Department of Engineering Science &amp; Mechanics</a:t>
             </a:r>
             <a:endParaRPr lang="en-US" sz="1600" dirty="0">
               <a:solidFill>
@@ -7498,7 +7745,7 @@
         </p:nvSpPr>
         <p:spPr>
           <a:xfrm>
-            <a:off x="863589" y="2617748"/>
+            <a:off x="863589" y="2780928"/>
             <a:ext cx="7416824" cy="523220"/>
           </a:xfrm>
           <a:prstGeom prst="rect">
@@ -7528,6 +7775,47 @@
           </a:p>
         </p:txBody>
       </p:sp>
+      <p:pic>
+        <p:nvPicPr>
+          <p:cNvPr id="1026" name="Picture 2" descr="C:\Users\Meagan\Desktop\Caleb\vt-seal.jpg"/>
+          <p:cNvPicPr>
+            <a:picLocks noChangeAspect="1" noChangeArrowheads="1"/>
+          </p:cNvPicPr>
+          <p:nvPr/>
+        </p:nvPicPr>
+        <p:blipFill>
+          <a:blip r:embed="rId4">
+            <a:extLst>
+              <a:ext uri="{28A0092B-C50C-407E-A947-70E740481C1C}">
+                <a14:useLocalDpi xmlns:a14="http://schemas.microsoft.com/office/drawing/2010/main" val="0"/>
+              </a:ext>
+            </a:extLst>
+          </a:blip>
+          <a:srcRect/>
+          <a:stretch>
+            <a:fillRect/>
+          </a:stretch>
+        </p:blipFill>
+        <p:spPr bwMode="auto">
+          <a:xfrm>
+            <a:off x="4049700" y="5757334"/>
+            <a:ext cx="1044600" cy="1044600"/>
+          </a:xfrm>
+          <a:prstGeom prst="rect">
+            <a:avLst/>
+          </a:prstGeom>
+          <a:noFill/>
+          <a:extLst>
+            <a:ext uri="{909E8E84-426E-40DD-AFC4-6F175D3DCCD1}">
+              <a14:hiddenFill xmlns:a14="http://schemas.microsoft.com/office/drawing/2010/main">
+                <a:solidFill>
+                  <a:srgbClr val="FFFFFF"/>
+                </a:solidFill>
+              </a14:hiddenFill>
+            </a:ext>
+          </a:extLst>
+        </p:spPr>
+      </p:pic>
     </p:spTree>
   </p:cSld>
   <p:clrMapOvr>
@@ -7681,10 +7969,6 @@
               </a:rPr>
               <a:t>Genetic Algorithms</a:t>
             </a:r>
-            <a:endParaRPr lang="en-US" sz="2800" dirty="0" smtClean="0">
-              <a:latin typeface="Times New Roman" pitchFamily="18" charset="0"/>
-              <a:cs typeface="Times New Roman" pitchFamily="18" charset="0"/>
-            </a:endParaRPr>
           </a:p>
           <a:p>
             <a:pPr marL="693738" indent="-693738">
@@ -7701,10 +7985,6 @@
               </a:rPr>
               <a:t>Application Area: Quantum Condensed Matter Physics</a:t>
             </a:r>
-            <a:endParaRPr lang="en-US" sz="2800" dirty="0" smtClean="0">
-              <a:latin typeface="Times New Roman" pitchFamily="18" charset="0"/>
-              <a:cs typeface="Times New Roman" pitchFamily="18" charset="0"/>
-            </a:endParaRPr>
           </a:p>
           <a:p>
             <a:pPr marL="693738" indent="-693738">
@@ -7721,10 +8001,6 @@
               </a:rPr>
               <a:t>Concurrent Methods </a:t>
             </a:r>
-            <a:endParaRPr lang="en-US" sz="2800" dirty="0" smtClean="0">
-              <a:latin typeface="Times New Roman" pitchFamily="18" charset="0"/>
-              <a:cs typeface="Times New Roman" pitchFamily="18" charset="0"/>
-            </a:endParaRPr>
           </a:p>
           <a:p>
             <a:pPr marL="693738" indent="-693738">
@@ -7739,8 +8015,12 @@
                 <a:latin typeface="Times New Roman" pitchFamily="18" charset="0"/>
                 <a:cs typeface="Times New Roman" pitchFamily="18" charset="0"/>
               </a:rPr>
-              <a:t>Conclusion</a:t>
-            </a:r>
+              <a:t>Results &amp; Conclusions</a:t>
+            </a:r>
+            <a:endParaRPr lang="en-US" sz="2800" dirty="0" smtClean="0">
+              <a:latin typeface="Times New Roman" pitchFamily="18" charset="0"/>
+              <a:cs typeface="Times New Roman" pitchFamily="18" charset="0"/>
+            </a:endParaRPr>
           </a:p>
         </p:txBody>
       </p:sp>
@@ -7778,50 +8058,84 @@
       </p:sp>
       <p:pic>
         <p:nvPicPr>
-          <p:cNvPr id="11" name="Picture 10" descr="PEAY-PRIDE-TALL-PMS200.JPG"/>
+          <p:cNvPr id="10" name="Picture 2" descr="C:\Users\Meagan\Desktop\Caleb\vt-seal.jpg"/>
           <p:cNvPicPr>
-            <a:picLocks noChangeAspect="1"/>
+            <a:picLocks noChangeAspect="1" noChangeArrowheads="1"/>
           </p:cNvPicPr>
           <p:nvPr/>
         </p:nvPicPr>
         <p:blipFill>
-          <a:blip r:embed="rId4"/>
+          <a:blip r:embed="rId4">
+            <a:extLst>
+              <a:ext uri="{28A0092B-C50C-407E-A947-70E740481C1C}">
+                <a14:useLocalDpi xmlns:a14="http://schemas.microsoft.com/office/drawing/2010/main" val="0"/>
+              </a:ext>
+            </a:extLst>
+          </a:blip>
+          <a:srcRect/>
           <a:stretch>
             <a:fillRect/>
           </a:stretch>
         </p:blipFill>
-        <p:spPr>
+        <p:spPr bwMode="auto">
           <a:xfrm>
-            <a:off x="7748935" y="44624"/>
-            <a:ext cx="1287561" cy="1080120"/>
+            <a:off x="7696201" y="61514"/>
+            <a:ext cx="1412303" cy="1044600"/>
           </a:xfrm>
           <a:prstGeom prst="rect">
             <a:avLst/>
           </a:prstGeom>
+          <a:noFill/>
+          <a:extLst>
+            <a:ext uri="{909E8E84-426E-40DD-AFC4-6F175D3DCCD1}">
+              <a14:hiddenFill xmlns:a14="http://schemas.microsoft.com/office/drawing/2010/main">
+                <a:solidFill>
+                  <a:srgbClr val="FFFFFF"/>
+                </a:solidFill>
+              </a14:hiddenFill>
+            </a:ext>
+          </a:extLst>
         </p:spPr>
       </p:pic>
       <p:pic>
         <p:nvPicPr>
-          <p:cNvPr id="12" name="Picture 11" descr="SEAL_COLOR.JPG"/>
+          <p:cNvPr id="15" name="Picture 2" descr="C:\Users\Meagan\Desktop\Caleb\vt-seal.jpg"/>
           <p:cNvPicPr>
-            <a:picLocks noChangeAspect="1"/>
+            <a:picLocks noChangeAspect="1" noChangeArrowheads="1"/>
           </p:cNvPicPr>
           <p:nvPr/>
         </p:nvPicPr>
         <p:blipFill>
-          <a:blip r:embed="rId5"/>
+          <a:blip r:embed="rId4">
+            <a:extLst>
+              <a:ext uri="{28A0092B-C50C-407E-A947-70E740481C1C}">
+                <a14:useLocalDpi xmlns:a14="http://schemas.microsoft.com/office/drawing/2010/main" val="0"/>
+              </a:ext>
+            </a:extLst>
+          </a:blip>
+          <a:srcRect/>
           <a:stretch>
             <a:fillRect/>
           </a:stretch>
         </p:blipFill>
-        <p:spPr>
+        <p:spPr bwMode="auto">
           <a:xfrm>
-            <a:off x="107504" y="62137"/>
-            <a:ext cx="990599" cy="990599"/>
+            <a:off x="35496" y="61514"/>
+            <a:ext cx="1412303" cy="1044600"/>
           </a:xfrm>
           <a:prstGeom prst="rect">
             <a:avLst/>
           </a:prstGeom>
+          <a:noFill/>
+          <a:extLst>
+            <a:ext uri="{909E8E84-426E-40DD-AFC4-6F175D3DCCD1}">
+              <a14:hiddenFill xmlns:a14="http://schemas.microsoft.com/office/drawing/2010/main">
+                <a:solidFill>
+                  <a:srgbClr val="FFFFFF"/>
+                </a:solidFill>
+              </a14:hiddenFill>
+            </a:ext>
+          </a:extLst>
         </p:spPr>
       </p:pic>
     </p:spTree>
@@ -7864,7 +8178,7 @@
         </p:nvSpPr>
         <p:spPr>
           <a:xfrm>
-            <a:off x="1320538" y="251937"/>
+            <a:off x="1320538" y="260649"/>
             <a:ext cx="6375663" cy="646331"/>
           </a:xfrm>
           <a:prstGeom prst="rect">
@@ -7887,8 +8201,9 @@
                 <a:latin typeface="Helvetica Neue Light"/>
                 <a:ea typeface="ＭＳ Ｐゴシック" charset="-128"/>
               </a:rPr>
-              <a:t>Conclusion</a:t>
-            </a:r>
+              <a:t>Introduction</a:t>
+            </a:r>
+            <a:endParaRPr lang="en-US" sz="3600" dirty="0"/>
           </a:p>
         </p:txBody>
       </p:sp>
@@ -7909,8 +8224,8 @@
         </p:blipFill>
         <p:spPr bwMode="auto">
           <a:xfrm>
-            <a:off x="2356400" y="3886200"/>
-            <a:ext cx="6787600" cy="2971801"/>
+            <a:off x="2339752" y="3878911"/>
+            <a:ext cx="6804248" cy="2979090"/>
           </a:xfrm>
           <a:prstGeom prst="rect">
             <a:avLst/>
@@ -7958,184 +8273,92 @@
       </p:sp>
       <p:pic>
         <p:nvPicPr>
-          <p:cNvPr id="11" name="Picture 10" descr="PEAY-PRIDE-TALL-PMS200.JPG"/>
+          <p:cNvPr id="10" name="Picture 2" descr="C:\Users\Meagan\Desktop\Caleb\vt-seal.jpg"/>
           <p:cNvPicPr>
-            <a:picLocks noChangeAspect="1"/>
+            <a:picLocks noChangeAspect="1" noChangeArrowheads="1"/>
           </p:cNvPicPr>
           <p:nvPr/>
         </p:nvPicPr>
         <p:blipFill>
-          <a:blip r:embed="rId4"/>
+          <a:blip r:embed="rId4">
+            <a:extLst>
+              <a:ext uri="{28A0092B-C50C-407E-A947-70E740481C1C}">
+                <a14:useLocalDpi xmlns:a14="http://schemas.microsoft.com/office/drawing/2010/main" val="0"/>
+              </a:ext>
+            </a:extLst>
+          </a:blip>
+          <a:srcRect/>
           <a:stretch>
             <a:fillRect/>
           </a:stretch>
         </p:blipFill>
-        <p:spPr>
+        <p:spPr bwMode="auto">
           <a:xfrm>
-            <a:off x="7748935" y="44624"/>
-            <a:ext cx="1287561" cy="1080120"/>
-          </a:xfrm>
-          <a:prstGeom prst="rect">
-            <a:avLst/>
-          </a:prstGeom>
-        </p:spPr>
-      </p:pic>
-      <p:pic>
-        <p:nvPicPr>
-          <p:cNvPr id="12" name="Picture 11" descr="SEAL_COLOR.JPG"/>
-          <p:cNvPicPr>
-            <a:picLocks noChangeAspect="1"/>
-          </p:cNvPicPr>
-          <p:nvPr/>
-        </p:nvPicPr>
-        <p:blipFill>
-          <a:blip r:embed="rId5"/>
-          <a:stretch>
-            <a:fillRect/>
-          </a:stretch>
-        </p:blipFill>
-        <p:spPr>
-          <a:xfrm>
-            <a:off x="107504" y="62137"/>
-            <a:ext cx="990599" cy="990599"/>
-          </a:xfrm>
-          <a:prstGeom prst="rect">
-            <a:avLst/>
-          </a:prstGeom>
-        </p:spPr>
-      </p:pic>
-      <p:sp>
-        <p:nvSpPr>
-          <p:cNvPr id="7" name="TextBox 6"/>
-          <p:cNvSpPr txBox="1"/>
-          <p:nvPr/>
-        </p:nvSpPr>
-        <p:spPr>
-          <a:xfrm>
-            <a:off x="755576" y="1628800"/>
-            <a:ext cx="7488832" cy="5262979"/>
+            <a:off x="7696201" y="61514"/>
+            <a:ext cx="1412303" cy="1044600"/>
           </a:xfrm>
           <a:prstGeom prst="rect">
             <a:avLst/>
           </a:prstGeom>
           <a:noFill/>
+          <a:extLst>
+            <a:ext uri="{909E8E84-426E-40DD-AFC4-6F175D3DCCD1}">
+              <a14:hiddenFill xmlns:a14="http://schemas.microsoft.com/office/drawing/2010/main">
+                <a:solidFill>
+                  <a:srgbClr val="FFFFFF"/>
+                </a:solidFill>
+              </a14:hiddenFill>
+            </a:ext>
+          </a:extLst>
         </p:spPr>
-        <p:txBody>
-          <a:bodyPr wrap="square" rtlCol="0">
-            <a:spAutoFit/>
-          </a:bodyPr>
-          <a:lstStyle/>
-          <a:p>
-            <a:pPr>
-              <a:buFont typeface="Wingdings" pitchFamily="2" charset="2"/>
-              <a:buChar char="Ø"/>
-            </a:pPr>
-            <a:r>
-              <a:rPr lang="en-US" sz="2800" dirty="0" smtClean="0">
-                <a:latin typeface="Times New Roman" pitchFamily="18" charset="0"/>
-                <a:cs typeface="Times New Roman" pitchFamily="18" charset="0"/>
-              </a:rPr>
-              <a:t> We have seen how hard factoring is for even a 	small amount of bits.</a:t>
-            </a:r>
-          </a:p>
-          <a:p>
-            <a:pPr>
-              <a:buFont typeface="Wingdings" pitchFamily="2" charset="2"/>
-              <a:buChar char="Ø"/>
-            </a:pPr>
-            <a:endParaRPr lang="en-US" sz="2800" dirty="0" smtClean="0">
-              <a:latin typeface="Times New Roman" pitchFamily="18" charset="0"/>
-              <a:cs typeface="Times New Roman" pitchFamily="18" charset="0"/>
-            </a:endParaRPr>
-          </a:p>
-          <a:p>
-            <a:pPr>
-              <a:buFont typeface="Wingdings" pitchFamily="2" charset="2"/>
-              <a:buChar char="Ø"/>
-            </a:pPr>
-            <a:r>
-              <a:rPr lang="en-US" sz="2800" dirty="0" smtClean="0">
-                <a:latin typeface="Times New Roman" pitchFamily="18" charset="0"/>
-                <a:cs typeface="Times New Roman" pitchFamily="18" charset="0"/>
-              </a:rPr>
-              <a:t> Quantum computing is a computational 	paradigm that can potentially give exponential 	speed up over classical computing.</a:t>
-            </a:r>
-          </a:p>
-          <a:p>
-            <a:pPr>
-              <a:buFont typeface="Wingdings" pitchFamily="2" charset="2"/>
-              <a:buChar char="Ø"/>
-            </a:pPr>
-            <a:endParaRPr lang="en-US" sz="2800" dirty="0" smtClean="0">
-              <a:latin typeface="Times New Roman" pitchFamily="18" charset="0"/>
-              <a:cs typeface="Times New Roman" pitchFamily="18" charset="0"/>
-            </a:endParaRPr>
-          </a:p>
-          <a:p>
-            <a:pPr>
-              <a:buFont typeface="Wingdings" pitchFamily="2" charset="2"/>
-              <a:buChar char="Ø"/>
-            </a:pPr>
-            <a:r>
-              <a:rPr lang="en-US" sz="2800" dirty="0" smtClean="0">
-                <a:latin typeface="Times New Roman" pitchFamily="18" charset="0"/>
-                <a:cs typeface="Times New Roman" pitchFamily="18" charset="0"/>
-              </a:rPr>
-              <a:t>Drawbacks</a:t>
-            </a:r>
-          </a:p>
-          <a:p>
-            <a:pPr lvl="1">
-              <a:buFont typeface="Wingdings" pitchFamily="2" charset="2"/>
-              <a:buChar char="v"/>
-            </a:pPr>
-            <a:r>
-              <a:rPr lang="en-US" sz="2800" dirty="0" smtClean="0">
-                <a:latin typeface="Times New Roman" pitchFamily="18" charset="0"/>
-                <a:cs typeface="Times New Roman" pitchFamily="18" charset="0"/>
-              </a:rPr>
-              <a:t> Extremely hard to control quantum systems.</a:t>
-            </a:r>
-          </a:p>
-          <a:p>
-            <a:pPr lvl="1">
-              <a:buFont typeface="Wingdings" pitchFamily="2" charset="2"/>
-              <a:buChar char="v"/>
-            </a:pPr>
-            <a:r>
-              <a:rPr lang="en-US" sz="2800" dirty="0" smtClean="0">
-                <a:latin typeface="Times New Roman" pitchFamily="18" charset="0"/>
-                <a:cs typeface="Times New Roman" pitchFamily="18" charset="0"/>
-              </a:rPr>
-              <a:t> Extreme engineering environments.</a:t>
-            </a:r>
-          </a:p>
-          <a:p>
-            <a:pPr lvl="1">
-              <a:buFont typeface="Wingdings" pitchFamily="2" charset="2"/>
-              <a:buChar char="v"/>
-            </a:pPr>
-            <a:r>
-              <a:rPr lang="en-US" sz="2800" dirty="0" smtClean="0">
-                <a:latin typeface="Times New Roman" pitchFamily="18" charset="0"/>
-                <a:cs typeface="Times New Roman" pitchFamily="18" charset="0"/>
-              </a:rPr>
-              <a:t> Algorithms are counterintuitive.</a:t>
-            </a:r>
-          </a:p>
-          <a:p>
-            <a:pPr>
-              <a:buFont typeface="Wingdings" pitchFamily="2" charset="2"/>
-              <a:buChar char="Ø"/>
-            </a:pPr>
-            <a:endParaRPr lang="en-US" sz="2800" dirty="0">
-              <a:latin typeface="Times New Roman" pitchFamily="18" charset="0"/>
-              <a:cs typeface="Times New Roman" pitchFamily="18" charset="0"/>
-            </a:endParaRPr>
-          </a:p>
-        </p:txBody>
-      </p:sp>
+      </p:pic>
+      <p:pic>
+        <p:nvPicPr>
+          <p:cNvPr id="15" name="Picture 2" descr="C:\Users\Meagan\Desktop\Caleb\vt-seal.jpg"/>
+          <p:cNvPicPr>
+            <a:picLocks noChangeAspect="1" noChangeArrowheads="1"/>
+          </p:cNvPicPr>
+          <p:nvPr/>
+        </p:nvPicPr>
+        <p:blipFill>
+          <a:blip r:embed="rId4">
+            <a:extLst>
+              <a:ext uri="{28A0092B-C50C-407E-A947-70E740481C1C}">
+                <a14:useLocalDpi xmlns:a14="http://schemas.microsoft.com/office/drawing/2010/main" val="0"/>
+              </a:ext>
+            </a:extLst>
+          </a:blip>
+          <a:srcRect/>
+          <a:stretch>
+            <a:fillRect/>
+          </a:stretch>
+        </p:blipFill>
+        <p:spPr bwMode="auto">
+          <a:xfrm>
+            <a:off x="35496" y="61514"/>
+            <a:ext cx="1412303" cy="1044600"/>
+          </a:xfrm>
+          <a:prstGeom prst="rect">
+            <a:avLst/>
+          </a:prstGeom>
+          <a:noFill/>
+          <a:extLst>
+            <a:ext uri="{909E8E84-426E-40DD-AFC4-6F175D3DCCD1}">
+              <a14:hiddenFill xmlns:a14="http://schemas.microsoft.com/office/drawing/2010/main">
+                <a:solidFill>
+                  <a:srgbClr val="FFFFFF"/>
+                </a:solidFill>
+              </a14:hiddenFill>
+            </a:ext>
+          </a:extLst>
+        </p:spPr>
+      </p:pic>
     </p:spTree>
+    <p:extLst>
+      <p:ext uri="{BB962C8B-B14F-4D97-AF65-F5344CB8AC3E}">
+        <p14:creationId xmlns:p14="http://schemas.microsoft.com/office/powerpoint/2010/main" val="1222325068"/>
+      </p:ext>
+    </p:extLst>
   </p:cSld>
   <p:clrMapOvr>
     <a:masterClrMapping/>
@@ -8175,7 +8398,7 @@
         </p:nvSpPr>
         <p:spPr>
           <a:xfrm>
-            <a:off x="1320538" y="251937"/>
+            <a:off x="1320538" y="260649"/>
             <a:ext cx="6375663" cy="646331"/>
           </a:xfrm>
           <a:prstGeom prst="rect">
@@ -8198,11 +8421,44 @@
                 <a:latin typeface="Helvetica Neue Light"/>
                 <a:ea typeface="ＭＳ Ｐゴシック" charset="-128"/>
               </a:rPr>
-              <a:t>References</a:t>
-            </a:r>
-          </a:p>
-        </p:txBody>
-      </p:sp>
+              <a:t>Genetic Algorithms</a:t>
+            </a:r>
+            <a:endParaRPr lang="en-US" sz="3600" dirty="0"/>
+          </a:p>
+        </p:txBody>
+      </p:sp>
+      <p:pic>
+        <p:nvPicPr>
+          <p:cNvPr id="3" name="Picture 13"/>
+          <p:cNvPicPr>
+            <a:picLocks noChangeAspect="1" noChangeArrowheads="1"/>
+          </p:cNvPicPr>
+          <p:nvPr/>
+        </p:nvPicPr>
+        <p:blipFill>
+          <a:blip r:embed="rId3"/>
+          <a:srcRect/>
+          <a:stretch>
+            <a:fillRect/>
+          </a:stretch>
+        </p:blipFill>
+        <p:spPr bwMode="auto">
+          <a:xfrm>
+            <a:off x="2339752" y="3878911"/>
+            <a:ext cx="6804248" cy="2979090"/>
+          </a:xfrm>
+          <a:prstGeom prst="rect">
+            <a:avLst/>
+          </a:prstGeom>
+          <a:noFill/>
+          <a:ln w="9525">
+            <a:noFill/>
+            <a:miter lim="800000"/>
+            <a:headEnd/>
+            <a:tailEnd/>
+          </a:ln>
+        </p:spPr>
+      </p:pic>
       <p:sp>
         <p:nvSpPr>
           <p:cNvPr id="8" name="Slide Number Placeholder 7"/>
@@ -8237,355 +8493,90 @@
       </p:sp>
       <p:pic>
         <p:nvPicPr>
-          <p:cNvPr id="11" name="Picture 10" descr="PEAY-PRIDE-TALL-PMS200.JPG"/>
+          <p:cNvPr id="10" name="Picture 2" descr="C:\Users\Meagan\Desktop\Caleb\vt-seal.jpg"/>
           <p:cNvPicPr>
-            <a:picLocks noChangeAspect="1"/>
+            <a:picLocks noChangeAspect="1" noChangeArrowheads="1"/>
           </p:cNvPicPr>
           <p:nvPr/>
         </p:nvPicPr>
         <p:blipFill>
-          <a:blip r:embed="rId3"/>
+          <a:blip r:embed="rId4">
+            <a:extLst>
+              <a:ext uri="{28A0092B-C50C-407E-A947-70E740481C1C}">
+                <a14:useLocalDpi xmlns:a14="http://schemas.microsoft.com/office/drawing/2010/main" val="0"/>
+              </a:ext>
+            </a:extLst>
+          </a:blip>
+          <a:srcRect/>
           <a:stretch>
             <a:fillRect/>
           </a:stretch>
         </p:blipFill>
-        <p:spPr>
+        <p:spPr bwMode="auto">
           <a:xfrm>
-            <a:off x="7748935" y="44624"/>
-            <a:ext cx="1287561" cy="1080120"/>
-          </a:xfrm>
-          <a:prstGeom prst="rect">
-            <a:avLst/>
-          </a:prstGeom>
-        </p:spPr>
-      </p:pic>
-      <p:pic>
-        <p:nvPicPr>
-          <p:cNvPr id="12" name="Picture 11" descr="SEAL_COLOR.JPG"/>
-          <p:cNvPicPr>
-            <a:picLocks noChangeAspect="1"/>
-          </p:cNvPicPr>
-          <p:nvPr/>
-        </p:nvPicPr>
-        <p:blipFill>
-          <a:blip r:embed="rId4"/>
-          <a:stretch>
-            <a:fillRect/>
-          </a:stretch>
-        </p:blipFill>
-        <p:spPr>
-          <a:xfrm>
-            <a:off x="107504" y="62137"/>
-            <a:ext cx="990599" cy="990599"/>
-          </a:xfrm>
-          <a:prstGeom prst="rect">
-            <a:avLst/>
-          </a:prstGeom>
-        </p:spPr>
-      </p:pic>
-      <p:sp>
-        <p:nvSpPr>
-          <p:cNvPr id="2" name="TextBox 1"/>
-          <p:cNvSpPr txBox="1"/>
-          <p:nvPr/>
-        </p:nvSpPr>
-        <p:spPr>
-          <a:xfrm>
-            <a:off x="323528" y="1303015"/>
-            <a:ext cx="8579296" cy="5078313"/>
+            <a:off x="7696201" y="61514"/>
+            <a:ext cx="1412303" cy="1044600"/>
           </a:xfrm>
           <a:prstGeom prst="rect">
             <a:avLst/>
           </a:prstGeom>
           <a:noFill/>
+          <a:extLst>
+            <a:ext uri="{909E8E84-426E-40DD-AFC4-6F175D3DCCD1}">
+              <a14:hiddenFill xmlns:a14="http://schemas.microsoft.com/office/drawing/2010/main">
+                <a:solidFill>
+                  <a:srgbClr val="FFFFFF"/>
+                </a:solidFill>
+              </a14:hiddenFill>
+            </a:ext>
+          </a:extLst>
         </p:spPr>
-        <p:txBody>
-          <a:bodyPr wrap="square" rtlCol="0">
-            <a:spAutoFit/>
-          </a:bodyPr>
-          <a:lstStyle/>
-          <a:p>
-            <a:pPr marL="457200" marR="0" indent="-457200">
-              <a:lnSpc>
-                <a:spcPct val="200000"/>
-              </a:lnSpc>
-              <a:spcBef>
-                <a:spcPts val="0"/>
-              </a:spcBef>
-              <a:spcAft>
-                <a:spcPts val="0"/>
-              </a:spcAft>
-            </a:pPr>
-            <a:r>
-              <a:rPr lang="en-US" dirty="0" err="1" smtClean="0">
-                <a:latin typeface="Times New Roman"/>
-                <a:ea typeface="Calibri"/>
-                <a:cs typeface="Times New Roman"/>
-              </a:rPr>
-              <a:t>Arora</a:t>
-            </a:r>
-            <a:r>
-              <a:rPr lang="en-US" dirty="0">
-                <a:latin typeface="Times New Roman"/>
-                <a:ea typeface="Calibri"/>
-                <a:cs typeface="Times New Roman"/>
-              </a:rPr>
-              <a:t>, </a:t>
-            </a:r>
-            <a:r>
-              <a:rPr lang="en-US" dirty="0" err="1" smtClean="0">
-                <a:latin typeface="Times New Roman"/>
-                <a:ea typeface="Calibri"/>
-                <a:cs typeface="Times New Roman"/>
-              </a:rPr>
-              <a:t>Sanjeev</a:t>
-            </a:r>
-            <a:r>
-              <a:rPr lang="en-US" dirty="0">
-                <a:latin typeface="Times New Roman"/>
-                <a:ea typeface="Calibri"/>
-                <a:cs typeface="Times New Roman"/>
-              </a:rPr>
-              <a:t>;</a:t>
-            </a:r>
-            <a:r>
-              <a:rPr lang="en-US" dirty="0" smtClean="0">
-                <a:latin typeface="Times New Roman"/>
-                <a:ea typeface="Calibri"/>
-                <a:cs typeface="Times New Roman"/>
-              </a:rPr>
-              <a:t> </a:t>
-            </a:r>
-            <a:r>
-              <a:rPr lang="en-US" dirty="0">
-                <a:latin typeface="Times New Roman"/>
-                <a:ea typeface="Calibri"/>
-                <a:cs typeface="Times New Roman"/>
-              </a:rPr>
-              <a:t>Barak, Boaz. “Computational Complexity: A Modern Approach.” New York: Cambridge University Press. 2009. Print.</a:t>
-            </a:r>
-            <a:endParaRPr lang="en-US" sz="1600" dirty="0">
-              <a:ea typeface="Calibri"/>
-              <a:cs typeface="Times New Roman"/>
-            </a:endParaRPr>
-          </a:p>
-          <a:p>
-            <a:pPr marL="457200" marR="0" indent="-457200">
-              <a:lnSpc>
-                <a:spcPct val="200000"/>
-              </a:lnSpc>
-              <a:spcBef>
-                <a:spcPts val="0"/>
-              </a:spcBef>
-              <a:spcAft>
-                <a:spcPts val="0"/>
-              </a:spcAft>
-            </a:pPr>
-            <a:r>
-              <a:rPr lang="en-US" dirty="0" smtClean="0">
-                <a:latin typeface="Times New Roman"/>
-                <a:ea typeface="Calibri"/>
-                <a:cs typeface="Times New Roman"/>
-              </a:rPr>
-              <a:t>Hayward</a:t>
-            </a:r>
-            <a:r>
-              <a:rPr lang="en-US" dirty="0">
-                <a:latin typeface="Times New Roman"/>
-                <a:ea typeface="Calibri"/>
-                <a:cs typeface="Times New Roman"/>
-              </a:rPr>
-              <a:t>, Matthew. “Quantum Computing and </a:t>
-            </a:r>
-            <a:r>
-              <a:rPr lang="en-US" dirty="0" err="1">
-                <a:latin typeface="Times New Roman"/>
-                <a:ea typeface="Calibri"/>
-                <a:cs typeface="Times New Roman"/>
-              </a:rPr>
-              <a:t>Shor’s</a:t>
-            </a:r>
-            <a:r>
-              <a:rPr lang="en-US" dirty="0">
-                <a:latin typeface="Times New Roman"/>
-                <a:ea typeface="Calibri"/>
-                <a:cs typeface="Times New Roman"/>
-              </a:rPr>
-              <a:t> Algorithm.” Sydney: Macquarie University Mathematics Department. 2008. Print.</a:t>
-            </a:r>
-            <a:endParaRPr lang="en-US" sz="1600" dirty="0">
-              <a:ea typeface="Calibri"/>
-              <a:cs typeface="Times New Roman"/>
-            </a:endParaRPr>
-          </a:p>
-          <a:p>
-            <a:pPr marL="457200" marR="0" indent="-457200">
-              <a:lnSpc>
-                <a:spcPct val="200000"/>
-              </a:lnSpc>
-              <a:spcBef>
-                <a:spcPts val="0"/>
-              </a:spcBef>
-              <a:spcAft>
-                <a:spcPts val="0"/>
-              </a:spcAft>
-            </a:pPr>
-            <a:r>
-              <a:rPr lang="en-US" dirty="0" smtClean="0">
-                <a:latin typeface="Times New Roman"/>
-                <a:ea typeface="Calibri"/>
-                <a:cs typeface="Times New Roman"/>
-              </a:rPr>
-              <a:t>Nielsen</a:t>
-            </a:r>
-            <a:r>
-              <a:rPr lang="en-US" dirty="0">
-                <a:latin typeface="Times New Roman"/>
-                <a:ea typeface="Calibri"/>
-                <a:cs typeface="Times New Roman"/>
-              </a:rPr>
-              <a:t>, Michael A.; Chuang, Isaac L. </a:t>
-            </a:r>
-            <a:r>
-              <a:rPr lang="en-US" dirty="0" smtClean="0">
-                <a:latin typeface="Times New Roman"/>
-                <a:ea typeface="Calibri"/>
-                <a:cs typeface="Times New Roman"/>
-              </a:rPr>
-              <a:t>“Quantum </a:t>
-            </a:r>
-            <a:r>
-              <a:rPr lang="en-US" dirty="0">
-                <a:latin typeface="Times New Roman"/>
-                <a:ea typeface="Calibri"/>
-                <a:cs typeface="Times New Roman"/>
-              </a:rPr>
-              <a:t>Computation and Quantum Information</a:t>
-            </a:r>
-            <a:r>
-              <a:rPr lang="en-US" dirty="0" smtClean="0">
-                <a:latin typeface="Times New Roman"/>
-                <a:ea typeface="Calibri"/>
-                <a:cs typeface="Times New Roman"/>
-              </a:rPr>
-              <a:t>.” </a:t>
-            </a:r>
-            <a:r>
-              <a:rPr lang="en-US" dirty="0">
-                <a:latin typeface="Times New Roman"/>
-                <a:ea typeface="Calibri"/>
-                <a:cs typeface="Times New Roman"/>
-              </a:rPr>
-              <a:t>New York: Cambridge University Press. 2000. Print.</a:t>
-            </a:r>
-            <a:endParaRPr lang="en-US" sz="1600" dirty="0">
-              <a:ea typeface="Calibri"/>
-              <a:cs typeface="Times New Roman"/>
-            </a:endParaRPr>
-          </a:p>
-          <a:p>
-            <a:pPr marL="457200" marR="0" indent="-457200">
-              <a:lnSpc>
-                <a:spcPct val="200000"/>
-              </a:lnSpc>
-              <a:spcBef>
-                <a:spcPts val="0"/>
-              </a:spcBef>
-              <a:spcAft>
-                <a:spcPts val="0"/>
-              </a:spcAft>
-            </a:pPr>
-            <a:r>
-              <a:rPr lang="en-US" dirty="0" err="1" smtClean="0">
-                <a:latin typeface="Times New Roman"/>
-                <a:ea typeface="Calibri"/>
-                <a:cs typeface="Times New Roman"/>
-              </a:rPr>
-              <a:t>Shor</a:t>
-            </a:r>
-            <a:r>
-              <a:rPr lang="en-US" dirty="0">
-                <a:latin typeface="Times New Roman"/>
-                <a:ea typeface="Calibri"/>
-                <a:cs typeface="Times New Roman"/>
-              </a:rPr>
-              <a:t>, Peter W. “Algorithms for Quantum Computation: Discrete Logarithms and Factoring.” </a:t>
-            </a:r>
-            <a:r>
-              <a:rPr lang="en-US" i="1" dirty="0">
-                <a:latin typeface="Times New Roman"/>
-                <a:ea typeface="Calibri"/>
-                <a:cs typeface="Times New Roman"/>
-              </a:rPr>
-              <a:t>Proc. 35</a:t>
-            </a:r>
-            <a:r>
-              <a:rPr lang="en-US" i="1" baseline="30000" dirty="0">
-                <a:latin typeface="Times New Roman"/>
-                <a:ea typeface="Calibri"/>
-                <a:cs typeface="Times New Roman"/>
-              </a:rPr>
-              <a:t>th</a:t>
-            </a:r>
-            <a:r>
-              <a:rPr lang="en-US" i="1" dirty="0">
-                <a:latin typeface="Times New Roman"/>
-                <a:ea typeface="Calibri"/>
-                <a:cs typeface="Times New Roman"/>
-              </a:rPr>
-              <a:t> Annual Symposium on Foundations of Computer Science</a:t>
-            </a:r>
-            <a:r>
-              <a:rPr lang="en-US" dirty="0">
-                <a:latin typeface="Times New Roman"/>
-                <a:ea typeface="Calibri"/>
-                <a:cs typeface="Times New Roman"/>
-              </a:rPr>
-              <a:t>. Ed. </a:t>
-            </a:r>
-            <a:r>
-              <a:rPr lang="en-US" dirty="0" err="1">
-                <a:latin typeface="Times New Roman"/>
-                <a:ea typeface="Calibri"/>
-                <a:cs typeface="Times New Roman"/>
-              </a:rPr>
-              <a:t>Shafi</a:t>
-            </a:r>
-            <a:r>
-              <a:rPr lang="en-US" dirty="0">
-                <a:latin typeface="Times New Roman"/>
-                <a:ea typeface="Calibri"/>
-                <a:cs typeface="Times New Roman"/>
-              </a:rPr>
-              <a:t> </a:t>
-            </a:r>
-            <a:r>
-              <a:rPr lang="en-US" dirty="0" err="1">
-                <a:latin typeface="Times New Roman"/>
-                <a:ea typeface="Calibri"/>
-                <a:cs typeface="Times New Roman"/>
-              </a:rPr>
-              <a:t>Goldwasser</a:t>
-            </a:r>
-            <a:r>
-              <a:rPr lang="en-US" dirty="0">
-                <a:latin typeface="Times New Roman"/>
-                <a:ea typeface="Calibri"/>
-                <a:cs typeface="Times New Roman"/>
-              </a:rPr>
-              <a:t>. IEEE Computer Society Press, 1994. 124-136. Print.</a:t>
-            </a:r>
-            <a:endParaRPr lang="en-US" sz="1600" dirty="0">
-              <a:ea typeface="Calibri"/>
-              <a:cs typeface="Times New Roman"/>
-            </a:endParaRPr>
-          </a:p>
-        </p:txBody>
-      </p:sp>
+      </p:pic>
+      <p:pic>
+        <p:nvPicPr>
+          <p:cNvPr id="15" name="Picture 2" descr="C:\Users\Meagan\Desktop\Caleb\vt-seal.jpg"/>
+          <p:cNvPicPr>
+            <a:picLocks noChangeAspect="1" noChangeArrowheads="1"/>
+          </p:cNvPicPr>
+          <p:nvPr/>
+        </p:nvPicPr>
+        <p:blipFill>
+          <a:blip r:embed="rId4">
+            <a:extLst>
+              <a:ext uri="{28A0092B-C50C-407E-A947-70E740481C1C}">
+                <a14:useLocalDpi xmlns:a14="http://schemas.microsoft.com/office/drawing/2010/main" val="0"/>
+              </a:ext>
+            </a:extLst>
+          </a:blip>
+          <a:srcRect/>
+          <a:stretch>
+            <a:fillRect/>
+          </a:stretch>
+        </p:blipFill>
+        <p:spPr bwMode="auto">
+          <a:xfrm>
+            <a:off x="35496" y="61514"/>
+            <a:ext cx="1412303" cy="1044600"/>
+          </a:xfrm>
+          <a:prstGeom prst="rect">
+            <a:avLst/>
+          </a:prstGeom>
+          <a:noFill/>
+          <a:extLst>
+            <a:ext uri="{909E8E84-426E-40DD-AFC4-6F175D3DCCD1}">
+              <a14:hiddenFill xmlns:a14="http://schemas.microsoft.com/office/drawing/2010/main">
+                <a:solidFill>
+                  <a:srgbClr val="FFFFFF"/>
+                </a:solidFill>
+              </a14:hiddenFill>
+            </a:ext>
+          </a:extLst>
+        </p:spPr>
+      </p:pic>
     </p:spTree>
     <p:extLst>
       <p:ext uri="{BB962C8B-B14F-4D97-AF65-F5344CB8AC3E}">
-        <p14:creationId xmlns:p14="http://schemas.microsoft.com/office/powerpoint/2010/main" val="4023316056"/>
+        <p14:creationId xmlns:p14="http://schemas.microsoft.com/office/powerpoint/2010/main" val="4244252996"/>
       </p:ext>
     </p:extLst>
   </p:cSld>
@@ -8619,9 +8610,46 @@
           <a:chExt cx="0" cy="0"/>
         </a:xfrm>
       </p:grpSpPr>
+      <p:sp>
+        <p:nvSpPr>
+          <p:cNvPr id="28" name="TextBox 27"/>
+          <p:cNvSpPr txBox="1"/>
+          <p:nvPr/>
+        </p:nvSpPr>
+        <p:spPr>
+          <a:xfrm>
+            <a:off x="1320538" y="260649"/>
+            <a:ext cx="6375663" cy="646331"/>
+          </a:xfrm>
+          <a:prstGeom prst="rect">
+            <a:avLst/>
+          </a:prstGeom>
+          <a:noFill/>
+        </p:spPr>
+        <p:txBody>
+          <a:bodyPr wrap="square" rtlCol="0">
+            <a:spAutoFit/>
+          </a:bodyPr>
+          <a:lstStyle/>
+          <a:p>
+            <a:pPr algn="ctr"/>
+            <a:r>
+              <a:rPr lang="en-US" sz="3600" kern="0" dirty="0" smtClean="0">
+                <a:solidFill>
+                  <a:schemeClr val="bg1"/>
+                </a:solidFill>
+                <a:latin typeface="Helvetica Neue Light"/>
+                <a:ea typeface="ＭＳ Ｐゴシック" charset="-128"/>
+              </a:rPr>
+              <a:t>Application Area</a:t>
+            </a:r>
+            <a:endParaRPr lang="en-US" sz="3600" dirty="0"/>
+          </a:p>
+        </p:txBody>
+      </p:sp>
       <p:pic>
         <p:nvPicPr>
-          <p:cNvPr id="9" name="Picture 13"/>
+          <p:cNvPr id="3" name="Picture 13"/>
           <p:cNvPicPr>
             <a:picLocks noChangeAspect="1" noChangeArrowheads="1"/>
           </p:cNvPicPr>
@@ -8636,8 +8664,8 @@
         </p:blipFill>
         <p:spPr bwMode="auto">
           <a:xfrm>
-            <a:off x="0" y="2854502"/>
-            <a:ext cx="9144000" cy="4003499"/>
+            <a:off x="2339752" y="3878911"/>
+            <a:ext cx="6804248" cy="2979090"/>
           </a:xfrm>
           <a:prstGeom prst="rect">
             <a:avLst/>
@@ -8651,43 +8679,6 @@
           </a:ln>
         </p:spPr>
       </p:pic>
-      <p:sp>
-        <p:nvSpPr>
-          <p:cNvPr id="28" name="TextBox 27"/>
-          <p:cNvSpPr txBox="1"/>
-          <p:nvPr/>
-        </p:nvSpPr>
-        <p:spPr>
-          <a:xfrm>
-            <a:off x="1320538" y="260649"/>
-            <a:ext cx="6375663" cy="584775"/>
-          </a:xfrm>
-          <a:prstGeom prst="rect">
-            <a:avLst/>
-          </a:prstGeom>
-          <a:noFill/>
-        </p:spPr>
-        <p:txBody>
-          <a:bodyPr wrap="square" rtlCol="0">
-            <a:spAutoFit/>
-          </a:bodyPr>
-          <a:lstStyle/>
-          <a:p>
-            <a:pPr algn="ctr"/>
-            <a:r>
-              <a:rPr lang="en-US" sz="3200" kern="0" dirty="0" smtClean="0">
-                <a:solidFill>
-                  <a:schemeClr val="bg1"/>
-                </a:solidFill>
-                <a:latin typeface="Helvetica Neue Light"/>
-                <a:ea typeface="ＭＳ Ｐゴシック" charset="-128"/>
-              </a:rPr>
-              <a:t>Questions &amp;| Comments</a:t>
-            </a:r>
-            <a:endParaRPr lang="en-US" sz="3200" dirty="0"/>
-          </a:p>
-        </p:txBody>
-      </p:sp>
       <p:sp>
         <p:nvSpPr>
           <p:cNvPr id="8" name="Slide Number Placeholder 7"/>
@@ -8722,62 +8713,133 @@
       </p:sp>
       <p:pic>
         <p:nvPicPr>
-          <p:cNvPr id="11" name="Picture 10" descr="PEAY-PRIDE-TALL-PMS200.JPG"/>
+          <p:cNvPr id="10" name="Picture 2" descr="C:\Users\Meagan\Desktop\Caleb\vt-seal.jpg"/>
           <p:cNvPicPr>
-            <a:picLocks noChangeAspect="1"/>
+            <a:picLocks noChangeAspect="1" noChangeArrowheads="1"/>
           </p:cNvPicPr>
           <p:nvPr/>
         </p:nvPicPr>
         <p:blipFill>
-          <a:blip r:embed="rId4"/>
+          <a:blip r:embed="rId4">
+            <a:extLst>
+              <a:ext uri="{28A0092B-C50C-407E-A947-70E740481C1C}">
+                <a14:useLocalDpi xmlns:a14="http://schemas.microsoft.com/office/drawing/2010/main" val="0"/>
+              </a:ext>
+            </a:extLst>
+          </a:blip>
+          <a:srcRect/>
           <a:stretch>
             <a:fillRect/>
           </a:stretch>
         </p:blipFill>
-        <p:spPr>
+        <p:spPr bwMode="auto">
           <a:xfrm>
-            <a:off x="7748935" y="44624"/>
-            <a:ext cx="1287561" cy="1080120"/>
+            <a:off x="7696201" y="61514"/>
+            <a:ext cx="1412303" cy="1044600"/>
           </a:xfrm>
           <a:prstGeom prst="rect">
             <a:avLst/>
           </a:prstGeom>
+          <a:noFill/>
+          <a:extLst>
+            <a:ext uri="{909E8E84-426E-40DD-AFC4-6F175D3DCCD1}">
+              <a14:hiddenFill xmlns:a14="http://schemas.microsoft.com/office/drawing/2010/main">
+                <a:solidFill>
+                  <a:srgbClr val="FFFFFF"/>
+                </a:solidFill>
+              </a14:hiddenFill>
+            </a:ext>
+          </a:extLst>
         </p:spPr>
       </p:pic>
       <p:pic>
         <p:nvPicPr>
-          <p:cNvPr id="12" name="Picture 11" descr="SEAL_COLOR.JPG"/>
+          <p:cNvPr id="15" name="Picture 2" descr="C:\Users\Meagan\Desktop\Caleb\vt-seal.jpg"/>
           <p:cNvPicPr>
-            <a:picLocks noChangeAspect="1"/>
+            <a:picLocks noChangeAspect="1" noChangeArrowheads="1"/>
           </p:cNvPicPr>
           <p:nvPr/>
         </p:nvPicPr>
         <p:blipFill>
-          <a:blip r:embed="rId5"/>
+          <a:blip r:embed="rId4">
+            <a:extLst>
+              <a:ext uri="{28A0092B-C50C-407E-A947-70E740481C1C}">
+                <a14:useLocalDpi xmlns:a14="http://schemas.microsoft.com/office/drawing/2010/main" val="0"/>
+              </a:ext>
+            </a:extLst>
+          </a:blip>
+          <a:srcRect/>
           <a:stretch>
             <a:fillRect/>
           </a:stretch>
         </p:blipFill>
-        <p:spPr>
+        <p:spPr bwMode="auto">
           <a:xfrm>
-            <a:off x="107504" y="62137"/>
-            <a:ext cx="990599" cy="990599"/>
+            <a:off x="35496" y="61514"/>
+            <a:ext cx="1412303" cy="1044600"/>
           </a:xfrm>
           <a:prstGeom prst="rect">
             <a:avLst/>
           </a:prstGeom>
+          <a:noFill/>
+          <a:extLst>
+            <a:ext uri="{909E8E84-426E-40DD-AFC4-6F175D3DCCD1}">
+              <a14:hiddenFill xmlns:a14="http://schemas.microsoft.com/office/drawing/2010/main">
+                <a:solidFill>
+                  <a:srgbClr val="FFFFFF"/>
+                </a:solidFill>
+              </a14:hiddenFill>
+            </a:ext>
+          </a:extLst>
         </p:spPr>
       </p:pic>
-      <p:sp>
-        <p:nvSpPr>
-          <p:cNvPr id="7" name="TextBox 6"/>
+    </p:spTree>
+    <p:extLst>
+      <p:ext uri="{BB962C8B-B14F-4D97-AF65-F5344CB8AC3E}">
+        <p14:creationId xmlns:p14="http://schemas.microsoft.com/office/powerpoint/2010/main" val="1797245676"/>
+      </p:ext>
+    </p:extLst>
+  </p:cSld>
+  <p:clrMapOvr>
+    <a:masterClrMapping/>
+  </p:clrMapOvr>
+  <p:timing>
+    <p:tnLst>
+      <p:par>
+        <p:cTn id="1" dur="indefinite" restart="never" nodeType="tmRoot"/>
+      </p:par>
+    </p:tnLst>
+  </p:timing>
+</p:sld>
+</file>
+
+<file path=ppt/slides/slide6.xml><?xml version="1.0" encoding="utf-8"?>
+<p:sld xmlns:a="http://schemas.openxmlformats.org/drawingml/2006/main" xmlns:r="http://schemas.openxmlformats.org/officeDocument/2006/relationships" xmlns:p="http://schemas.openxmlformats.org/presentationml/2006/main">
+  <p:cSld>
+    <p:spTree>
+      <p:nvGrpSpPr>
+        <p:cNvPr id="1" name=""/>
+        <p:cNvGrpSpPr/>
+        <p:nvPr/>
+      </p:nvGrpSpPr>
+      <p:grpSpPr>
+        <a:xfrm>
+          <a:off x="0" y="0"/>
+          <a:ext cx="0" cy="0"/>
+          <a:chOff x="0" y="0"/>
+          <a:chExt cx="0" cy="0"/>
+        </a:xfrm>
+      </p:grpSpPr>
+      <p:sp>
+        <p:nvSpPr>
+          <p:cNvPr id="28" name="TextBox 27"/>
           <p:cNvSpPr txBox="1"/>
           <p:nvPr/>
         </p:nvSpPr>
         <p:spPr>
           <a:xfrm>
-            <a:off x="1115616" y="3140968"/>
-            <a:ext cx="7488832" cy="830997"/>
+            <a:off x="1320538" y="260649"/>
+            <a:ext cx="6375663" cy="646331"/>
           </a:xfrm>
           <a:prstGeom prst="rect">
             <a:avLst/>
@@ -8790,14 +8852,645 @@
           </a:bodyPr>
           <a:lstStyle/>
           <a:p>
-            <a:r>
-              <a:rPr lang="en-US" sz="4800" dirty="0" smtClean="0">
+            <a:pPr algn="ctr"/>
+            <a:r>
+              <a:rPr lang="en-US" sz="3600" kern="0" dirty="0" smtClean="0">
+                <a:solidFill>
+                  <a:schemeClr val="bg1"/>
+                </a:solidFill>
+                <a:latin typeface="Helvetica Neue Light"/>
+                <a:ea typeface="ＭＳ Ｐゴシック" charset="-128"/>
+              </a:rPr>
+              <a:t>Concurrent Methods</a:t>
+            </a:r>
+            <a:endParaRPr lang="en-US" sz="3600" dirty="0"/>
+          </a:p>
+        </p:txBody>
+      </p:sp>
+      <p:pic>
+        <p:nvPicPr>
+          <p:cNvPr id="3" name="Picture 13"/>
+          <p:cNvPicPr>
+            <a:picLocks noChangeAspect="1" noChangeArrowheads="1"/>
+          </p:cNvPicPr>
+          <p:nvPr/>
+        </p:nvPicPr>
+        <p:blipFill>
+          <a:blip r:embed="rId3"/>
+          <a:srcRect/>
+          <a:stretch>
+            <a:fillRect/>
+          </a:stretch>
+        </p:blipFill>
+        <p:spPr bwMode="auto">
+          <a:xfrm>
+            <a:off x="2339752" y="3878911"/>
+            <a:ext cx="6804248" cy="2979090"/>
+          </a:xfrm>
+          <a:prstGeom prst="rect">
+            <a:avLst/>
+          </a:prstGeom>
+          <a:noFill/>
+          <a:ln w="9525">
+            <a:noFill/>
+            <a:miter lim="800000"/>
+            <a:headEnd/>
+            <a:tailEnd/>
+          </a:ln>
+        </p:spPr>
+      </p:pic>
+      <p:sp>
+        <p:nvSpPr>
+          <p:cNvPr id="8" name="Slide Number Placeholder 7"/>
+          <p:cNvSpPr>
+            <a:spLocks noGrp="1"/>
+          </p:cNvSpPr>
+          <p:nvPr>
+            <p:ph type="sldNum" sz="quarter" idx="12"/>
+          </p:nvPr>
+        </p:nvSpPr>
+        <p:spPr/>
+        <p:txBody>
+          <a:bodyPr/>
+          <a:lstStyle/>
+          <a:p>
+            <a:fld id="{A295868D-BDAC-294F-ACE9-EAB02C26F78E}" type="slidenum">
+              <a:rPr lang="en-US" smtClean="0">
+                <a:solidFill>
+                  <a:schemeClr val="tx1"/>
+                </a:solidFill>
+              </a:rPr>
+              <a:pPr/>
+              <a:t>6</a:t>
+            </a:fld>
+            <a:endParaRPr lang="en-US" dirty="0">
+              <a:solidFill>
+                <a:schemeClr val="tx1"/>
+              </a:solidFill>
+            </a:endParaRPr>
+          </a:p>
+        </p:txBody>
+      </p:sp>
+      <p:pic>
+        <p:nvPicPr>
+          <p:cNvPr id="10" name="Picture 2" descr="C:\Users\Meagan\Desktop\Caleb\vt-seal.jpg"/>
+          <p:cNvPicPr>
+            <a:picLocks noChangeAspect="1" noChangeArrowheads="1"/>
+          </p:cNvPicPr>
+          <p:nvPr/>
+        </p:nvPicPr>
+        <p:blipFill>
+          <a:blip r:embed="rId4">
+            <a:extLst>
+              <a:ext uri="{28A0092B-C50C-407E-A947-70E740481C1C}">
+                <a14:useLocalDpi xmlns:a14="http://schemas.microsoft.com/office/drawing/2010/main" val="0"/>
+              </a:ext>
+            </a:extLst>
+          </a:blip>
+          <a:srcRect/>
+          <a:stretch>
+            <a:fillRect/>
+          </a:stretch>
+        </p:blipFill>
+        <p:spPr bwMode="auto">
+          <a:xfrm>
+            <a:off x="7696201" y="61514"/>
+            <a:ext cx="1412303" cy="1044600"/>
+          </a:xfrm>
+          <a:prstGeom prst="rect">
+            <a:avLst/>
+          </a:prstGeom>
+          <a:noFill/>
+          <a:extLst>
+            <a:ext uri="{909E8E84-426E-40DD-AFC4-6F175D3DCCD1}">
+              <a14:hiddenFill xmlns:a14="http://schemas.microsoft.com/office/drawing/2010/main">
+                <a:solidFill>
+                  <a:srgbClr val="FFFFFF"/>
+                </a:solidFill>
+              </a14:hiddenFill>
+            </a:ext>
+          </a:extLst>
+        </p:spPr>
+      </p:pic>
+      <p:pic>
+        <p:nvPicPr>
+          <p:cNvPr id="15" name="Picture 2" descr="C:\Users\Meagan\Desktop\Caleb\vt-seal.jpg"/>
+          <p:cNvPicPr>
+            <a:picLocks noChangeAspect="1" noChangeArrowheads="1"/>
+          </p:cNvPicPr>
+          <p:nvPr/>
+        </p:nvPicPr>
+        <p:blipFill>
+          <a:blip r:embed="rId4">
+            <a:extLst>
+              <a:ext uri="{28A0092B-C50C-407E-A947-70E740481C1C}">
+                <a14:useLocalDpi xmlns:a14="http://schemas.microsoft.com/office/drawing/2010/main" val="0"/>
+              </a:ext>
+            </a:extLst>
+          </a:blip>
+          <a:srcRect/>
+          <a:stretch>
+            <a:fillRect/>
+          </a:stretch>
+        </p:blipFill>
+        <p:spPr bwMode="auto">
+          <a:xfrm>
+            <a:off x="35496" y="61514"/>
+            <a:ext cx="1412303" cy="1044600"/>
+          </a:xfrm>
+          <a:prstGeom prst="rect">
+            <a:avLst/>
+          </a:prstGeom>
+          <a:noFill/>
+          <a:extLst>
+            <a:ext uri="{909E8E84-426E-40DD-AFC4-6F175D3DCCD1}">
+              <a14:hiddenFill xmlns:a14="http://schemas.microsoft.com/office/drawing/2010/main">
+                <a:solidFill>
+                  <a:srgbClr val="FFFFFF"/>
+                </a:solidFill>
+              </a14:hiddenFill>
+            </a:ext>
+          </a:extLst>
+        </p:spPr>
+      </p:pic>
+    </p:spTree>
+    <p:extLst>
+      <p:ext uri="{BB962C8B-B14F-4D97-AF65-F5344CB8AC3E}">
+        <p14:creationId xmlns:p14="http://schemas.microsoft.com/office/powerpoint/2010/main" val="177425386"/>
+      </p:ext>
+    </p:extLst>
+  </p:cSld>
+  <p:clrMapOvr>
+    <a:masterClrMapping/>
+  </p:clrMapOvr>
+  <p:timing>
+    <p:tnLst>
+      <p:par>
+        <p:cTn id="1" dur="indefinite" restart="never" nodeType="tmRoot"/>
+      </p:par>
+    </p:tnLst>
+  </p:timing>
+</p:sld>
+</file>
+
+<file path=ppt/slides/slide7.xml><?xml version="1.0" encoding="utf-8"?>
+<p:sld xmlns:a="http://schemas.openxmlformats.org/drawingml/2006/main" xmlns:r="http://schemas.openxmlformats.org/officeDocument/2006/relationships" xmlns:p="http://schemas.openxmlformats.org/presentationml/2006/main">
+  <p:cSld>
+    <p:spTree>
+      <p:nvGrpSpPr>
+        <p:cNvPr id="1" name=""/>
+        <p:cNvGrpSpPr/>
+        <p:nvPr/>
+      </p:nvGrpSpPr>
+      <p:grpSpPr>
+        <a:xfrm>
+          <a:off x="0" y="0"/>
+          <a:ext cx="0" cy="0"/>
+          <a:chOff x="0" y="0"/>
+          <a:chExt cx="0" cy="0"/>
+        </a:xfrm>
+      </p:grpSpPr>
+      <p:sp>
+        <p:nvSpPr>
+          <p:cNvPr id="28" name="TextBox 27"/>
+          <p:cNvSpPr txBox="1"/>
+          <p:nvPr/>
+        </p:nvSpPr>
+        <p:spPr>
+          <a:xfrm>
+            <a:off x="1320538" y="260649"/>
+            <a:ext cx="6375663" cy="646331"/>
+          </a:xfrm>
+          <a:prstGeom prst="rect">
+            <a:avLst/>
+          </a:prstGeom>
+          <a:noFill/>
+        </p:spPr>
+        <p:txBody>
+          <a:bodyPr wrap="square" rtlCol="0">
+            <a:spAutoFit/>
+          </a:bodyPr>
+          <a:lstStyle/>
+          <a:p>
+            <a:pPr algn="ctr"/>
+            <a:r>
+              <a:rPr lang="en-US" sz="3600" kern="0" dirty="0" smtClean="0">
+                <a:solidFill>
+                  <a:schemeClr val="bg1"/>
+                </a:solidFill>
+                <a:latin typeface="Helvetica Neue Light"/>
+                <a:ea typeface="ＭＳ Ｐゴシック" charset="-128"/>
+              </a:rPr>
+              <a:t>Results &amp; Conclusions</a:t>
+            </a:r>
+            <a:endParaRPr lang="en-US" sz="3600" dirty="0"/>
+          </a:p>
+        </p:txBody>
+      </p:sp>
+      <p:pic>
+        <p:nvPicPr>
+          <p:cNvPr id="3" name="Picture 13"/>
+          <p:cNvPicPr>
+            <a:picLocks noChangeAspect="1" noChangeArrowheads="1"/>
+          </p:cNvPicPr>
+          <p:nvPr/>
+        </p:nvPicPr>
+        <p:blipFill>
+          <a:blip r:embed="rId3"/>
+          <a:srcRect/>
+          <a:stretch>
+            <a:fillRect/>
+          </a:stretch>
+        </p:blipFill>
+        <p:spPr bwMode="auto">
+          <a:xfrm>
+            <a:off x="2339752" y="3878911"/>
+            <a:ext cx="6804248" cy="2979090"/>
+          </a:xfrm>
+          <a:prstGeom prst="rect">
+            <a:avLst/>
+          </a:prstGeom>
+          <a:noFill/>
+          <a:ln w="9525">
+            <a:noFill/>
+            <a:miter lim="800000"/>
+            <a:headEnd/>
+            <a:tailEnd/>
+          </a:ln>
+        </p:spPr>
+      </p:pic>
+      <p:sp>
+        <p:nvSpPr>
+          <p:cNvPr id="8" name="Slide Number Placeholder 7"/>
+          <p:cNvSpPr>
+            <a:spLocks noGrp="1"/>
+          </p:cNvSpPr>
+          <p:nvPr>
+            <p:ph type="sldNum" sz="quarter" idx="12"/>
+          </p:nvPr>
+        </p:nvSpPr>
+        <p:spPr/>
+        <p:txBody>
+          <a:bodyPr/>
+          <a:lstStyle/>
+          <a:p>
+            <a:fld id="{A295868D-BDAC-294F-ACE9-EAB02C26F78E}" type="slidenum">
+              <a:rPr lang="en-US" smtClean="0">
+                <a:solidFill>
+                  <a:schemeClr val="tx1"/>
+                </a:solidFill>
+              </a:rPr>
+              <a:pPr/>
+              <a:t>7</a:t>
+            </a:fld>
+            <a:endParaRPr lang="en-US" dirty="0">
+              <a:solidFill>
+                <a:schemeClr val="tx1"/>
+              </a:solidFill>
+            </a:endParaRPr>
+          </a:p>
+        </p:txBody>
+      </p:sp>
+      <p:pic>
+        <p:nvPicPr>
+          <p:cNvPr id="10" name="Picture 2" descr="C:\Users\Meagan\Desktop\Caleb\vt-seal.jpg"/>
+          <p:cNvPicPr>
+            <a:picLocks noChangeAspect="1" noChangeArrowheads="1"/>
+          </p:cNvPicPr>
+          <p:nvPr/>
+        </p:nvPicPr>
+        <p:blipFill>
+          <a:blip r:embed="rId4">
+            <a:extLst>
+              <a:ext uri="{28A0092B-C50C-407E-A947-70E740481C1C}">
+                <a14:useLocalDpi xmlns:a14="http://schemas.microsoft.com/office/drawing/2010/main" val="0"/>
+              </a:ext>
+            </a:extLst>
+          </a:blip>
+          <a:srcRect/>
+          <a:stretch>
+            <a:fillRect/>
+          </a:stretch>
+        </p:blipFill>
+        <p:spPr bwMode="auto">
+          <a:xfrm>
+            <a:off x="7696201" y="61514"/>
+            <a:ext cx="1412303" cy="1044600"/>
+          </a:xfrm>
+          <a:prstGeom prst="rect">
+            <a:avLst/>
+          </a:prstGeom>
+          <a:noFill/>
+          <a:extLst>
+            <a:ext uri="{909E8E84-426E-40DD-AFC4-6F175D3DCCD1}">
+              <a14:hiddenFill xmlns:a14="http://schemas.microsoft.com/office/drawing/2010/main">
+                <a:solidFill>
+                  <a:srgbClr val="FFFFFF"/>
+                </a:solidFill>
+              </a14:hiddenFill>
+            </a:ext>
+          </a:extLst>
+        </p:spPr>
+      </p:pic>
+      <p:pic>
+        <p:nvPicPr>
+          <p:cNvPr id="15" name="Picture 2" descr="C:\Users\Meagan\Desktop\Caleb\vt-seal.jpg"/>
+          <p:cNvPicPr>
+            <a:picLocks noChangeAspect="1" noChangeArrowheads="1"/>
+          </p:cNvPicPr>
+          <p:nvPr/>
+        </p:nvPicPr>
+        <p:blipFill>
+          <a:blip r:embed="rId4">
+            <a:extLst>
+              <a:ext uri="{28A0092B-C50C-407E-A947-70E740481C1C}">
+                <a14:useLocalDpi xmlns:a14="http://schemas.microsoft.com/office/drawing/2010/main" val="0"/>
+              </a:ext>
+            </a:extLst>
+          </a:blip>
+          <a:srcRect/>
+          <a:stretch>
+            <a:fillRect/>
+          </a:stretch>
+        </p:blipFill>
+        <p:spPr bwMode="auto">
+          <a:xfrm>
+            <a:off x="35496" y="61514"/>
+            <a:ext cx="1412303" cy="1044600"/>
+          </a:xfrm>
+          <a:prstGeom prst="rect">
+            <a:avLst/>
+          </a:prstGeom>
+          <a:noFill/>
+          <a:extLst>
+            <a:ext uri="{909E8E84-426E-40DD-AFC4-6F175D3DCCD1}">
+              <a14:hiddenFill xmlns:a14="http://schemas.microsoft.com/office/drawing/2010/main">
+                <a:solidFill>
+                  <a:srgbClr val="FFFFFF"/>
+                </a:solidFill>
+              </a14:hiddenFill>
+            </a:ext>
+          </a:extLst>
+        </p:spPr>
+      </p:pic>
+    </p:spTree>
+    <p:extLst>
+      <p:ext uri="{BB962C8B-B14F-4D97-AF65-F5344CB8AC3E}">
+        <p14:creationId xmlns:p14="http://schemas.microsoft.com/office/powerpoint/2010/main" val="4040275162"/>
+      </p:ext>
+    </p:extLst>
+  </p:cSld>
+  <p:clrMapOvr>
+    <a:masterClrMapping/>
+  </p:clrMapOvr>
+  <p:timing>
+    <p:tnLst>
+      <p:par>
+        <p:cTn id="1" dur="indefinite" restart="never" nodeType="tmRoot"/>
+      </p:par>
+    </p:tnLst>
+  </p:timing>
+</p:sld>
+</file>
+
+<file path=ppt/slides/slide8.xml><?xml version="1.0" encoding="utf-8"?>
+<p:sld xmlns:a="http://schemas.openxmlformats.org/drawingml/2006/main" xmlns:r="http://schemas.openxmlformats.org/officeDocument/2006/relationships" xmlns:p="http://schemas.openxmlformats.org/presentationml/2006/main">
+  <p:cSld>
+    <p:spTree>
+      <p:nvGrpSpPr>
+        <p:cNvPr id="1" name=""/>
+        <p:cNvGrpSpPr/>
+        <p:nvPr/>
+      </p:nvGrpSpPr>
+      <p:grpSpPr>
+        <a:xfrm>
+          <a:off x="0" y="0"/>
+          <a:ext cx="0" cy="0"/>
+          <a:chOff x="0" y="0"/>
+          <a:chExt cx="0" cy="0"/>
+        </a:xfrm>
+      </p:grpSpPr>
+      <p:sp>
+        <p:nvSpPr>
+          <p:cNvPr id="28" name="TextBox 27"/>
+          <p:cNvSpPr txBox="1"/>
+          <p:nvPr/>
+        </p:nvSpPr>
+        <p:spPr>
+          <a:xfrm>
+            <a:off x="1320538" y="260649"/>
+            <a:ext cx="6375663" cy="646331"/>
+          </a:xfrm>
+          <a:prstGeom prst="rect">
+            <a:avLst/>
+          </a:prstGeom>
+          <a:noFill/>
+        </p:spPr>
+        <p:txBody>
+          <a:bodyPr wrap="square" rtlCol="0">
+            <a:spAutoFit/>
+          </a:bodyPr>
+          <a:lstStyle/>
+          <a:p>
+            <a:pPr algn="ctr"/>
+            <a:r>
+              <a:rPr lang="en-US" sz="3600" kern="0" dirty="0" smtClean="0">
+                <a:solidFill>
+                  <a:schemeClr val="bg1"/>
+                </a:solidFill>
+                <a:latin typeface="Helvetica Neue Light"/>
+                <a:ea typeface="ＭＳ Ｐゴシック" charset="-128"/>
+              </a:rPr>
+              <a:t>Questions</a:t>
+            </a:r>
+            <a:endParaRPr lang="en-US" sz="3600" dirty="0"/>
+          </a:p>
+        </p:txBody>
+      </p:sp>
+      <p:pic>
+        <p:nvPicPr>
+          <p:cNvPr id="3" name="Picture 13"/>
+          <p:cNvPicPr>
+            <a:picLocks noChangeAspect="1" noChangeArrowheads="1"/>
+          </p:cNvPicPr>
+          <p:nvPr/>
+        </p:nvPicPr>
+        <p:blipFill>
+          <a:blip r:embed="rId3"/>
+          <a:srcRect/>
+          <a:stretch>
+            <a:fillRect/>
+          </a:stretch>
+        </p:blipFill>
+        <p:spPr bwMode="auto">
+          <a:xfrm>
+            <a:off x="2339752" y="3878911"/>
+            <a:ext cx="6804248" cy="2979090"/>
+          </a:xfrm>
+          <a:prstGeom prst="rect">
+            <a:avLst/>
+          </a:prstGeom>
+          <a:noFill/>
+          <a:ln w="9525">
+            <a:noFill/>
+            <a:miter lim="800000"/>
+            <a:headEnd/>
+            <a:tailEnd/>
+          </a:ln>
+        </p:spPr>
+      </p:pic>
+      <p:sp>
+        <p:nvSpPr>
+          <p:cNvPr id="8" name="Slide Number Placeholder 7"/>
+          <p:cNvSpPr>
+            <a:spLocks noGrp="1"/>
+          </p:cNvSpPr>
+          <p:nvPr>
+            <p:ph type="sldNum" sz="quarter" idx="12"/>
+          </p:nvPr>
+        </p:nvSpPr>
+        <p:spPr/>
+        <p:txBody>
+          <a:bodyPr/>
+          <a:lstStyle/>
+          <a:p>
+            <a:fld id="{A295868D-BDAC-294F-ACE9-EAB02C26F78E}" type="slidenum">
+              <a:rPr lang="en-US" smtClean="0">
+                <a:solidFill>
+                  <a:schemeClr val="tx1"/>
+                </a:solidFill>
+              </a:rPr>
+              <a:pPr/>
+              <a:t>8</a:t>
+            </a:fld>
+            <a:endParaRPr lang="en-US" dirty="0">
+              <a:solidFill>
+                <a:schemeClr val="tx1"/>
+              </a:solidFill>
+            </a:endParaRPr>
+          </a:p>
+        </p:txBody>
+      </p:sp>
+      <p:pic>
+        <p:nvPicPr>
+          <p:cNvPr id="10" name="Picture 2" descr="C:\Users\Meagan\Desktop\Caleb\vt-seal.jpg"/>
+          <p:cNvPicPr>
+            <a:picLocks noChangeAspect="1" noChangeArrowheads="1"/>
+          </p:cNvPicPr>
+          <p:nvPr/>
+        </p:nvPicPr>
+        <p:blipFill>
+          <a:blip r:embed="rId4">
+            <a:extLst>
+              <a:ext uri="{28A0092B-C50C-407E-A947-70E740481C1C}">
+                <a14:useLocalDpi xmlns:a14="http://schemas.microsoft.com/office/drawing/2010/main" val="0"/>
+              </a:ext>
+            </a:extLst>
+          </a:blip>
+          <a:srcRect/>
+          <a:stretch>
+            <a:fillRect/>
+          </a:stretch>
+        </p:blipFill>
+        <p:spPr bwMode="auto">
+          <a:xfrm>
+            <a:off x="7696201" y="61514"/>
+            <a:ext cx="1412303" cy="1044600"/>
+          </a:xfrm>
+          <a:prstGeom prst="rect">
+            <a:avLst/>
+          </a:prstGeom>
+          <a:noFill/>
+          <a:extLst>
+            <a:ext uri="{909E8E84-426E-40DD-AFC4-6F175D3DCCD1}">
+              <a14:hiddenFill xmlns:a14="http://schemas.microsoft.com/office/drawing/2010/main">
+                <a:solidFill>
+                  <a:srgbClr val="FFFFFF"/>
+                </a:solidFill>
+              </a14:hiddenFill>
+            </a:ext>
+          </a:extLst>
+        </p:spPr>
+      </p:pic>
+      <p:pic>
+        <p:nvPicPr>
+          <p:cNvPr id="15" name="Picture 2" descr="C:\Users\Meagan\Desktop\Caleb\vt-seal.jpg"/>
+          <p:cNvPicPr>
+            <a:picLocks noChangeAspect="1" noChangeArrowheads="1"/>
+          </p:cNvPicPr>
+          <p:nvPr/>
+        </p:nvPicPr>
+        <p:blipFill>
+          <a:blip r:embed="rId4">
+            <a:extLst>
+              <a:ext uri="{28A0092B-C50C-407E-A947-70E740481C1C}">
+                <a14:useLocalDpi xmlns:a14="http://schemas.microsoft.com/office/drawing/2010/main" val="0"/>
+              </a:ext>
+            </a:extLst>
+          </a:blip>
+          <a:srcRect/>
+          <a:stretch>
+            <a:fillRect/>
+          </a:stretch>
+        </p:blipFill>
+        <p:spPr bwMode="auto">
+          <a:xfrm>
+            <a:off x="35496" y="61514"/>
+            <a:ext cx="1412303" cy="1044600"/>
+          </a:xfrm>
+          <a:prstGeom prst="rect">
+            <a:avLst/>
+          </a:prstGeom>
+          <a:noFill/>
+          <a:extLst>
+            <a:ext uri="{909E8E84-426E-40DD-AFC4-6F175D3DCCD1}">
+              <a14:hiddenFill xmlns:a14="http://schemas.microsoft.com/office/drawing/2010/main">
+                <a:solidFill>
+                  <a:srgbClr val="FFFFFF"/>
+                </a:solidFill>
+              </a14:hiddenFill>
+            </a:ext>
+          </a:extLst>
+        </p:spPr>
+      </p:pic>
+      <p:sp>
+        <p:nvSpPr>
+          <p:cNvPr id="9" name="TextBox 8"/>
+          <p:cNvSpPr txBox="1"/>
+          <p:nvPr/>
+        </p:nvSpPr>
+        <p:spPr>
+          <a:xfrm>
+            <a:off x="683568" y="3009726"/>
+            <a:ext cx="7992888" cy="923330"/>
+          </a:xfrm>
+          <a:prstGeom prst="rect">
+            <a:avLst/>
+          </a:prstGeom>
+          <a:noFill/>
+        </p:spPr>
+        <p:txBody>
+          <a:bodyPr wrap="square" rtlCol="0">
+            <a:spAutoFit/>
+          </a:bodyPr>
+          <a:lstStyle/>
+          <a:p>
+            <a:pPr algn="ctr"/>
+            <a:r>
+              <a:rPr lang="en-US" sz="5400" dirty="0">
                 <a:latin typeface="Times New Roman" pitchFamily="18" charset="0"/>
                 <a:cs typeface="Times New Roman" pitchFamily="18" charset="0"/>
               </a:rPr>
-              <a:t>Questions  &amp;|  Comments?</a:t>
-            </a:r>
-            <a:endParaRPr lang="en-US" sz="4800" dirty="0">
+              <a:t>Questions  &amp;|  Comments</a:t>
+            </a:r>
+            <a:r>
+              <a:rPr lang="en-US" sz="5400" dirty="0" smtClean="0">
+                <a:latin typeface="Times New Roman" pitchFamily="18" charset="0"/>
+                <a:cs typeface="Times New Roman" pitchFamily="18" charset="0"/>
+              </a:rPr>
+              <a:t>?</a:t>
+            </a:r>
+            <a:endParaRPr lang="en-US" sz="5400" dirty="0">
               <a:latin typeface="Times New Roman" pitchFamily="18" charset="0"/>
               <a:cs typeface="Times New Roman" pitchFamily="18" charset="0"/>
             </a:endParaRPr>
@@ -8805,6 +9498,11 @@
         </p:txBody>
       </p:sp>
     </p:spTree>
+    <p:extLst>
+      <p:ext uri="{BB962C8B-B14F-4D97-AF65-F5344CB8AC3E}">
+        <p14:creationId xmlns:p14="http://schemas.microsoft.com/office/powerpoint/2010/main" val="978998354"/>
+      </p:ext>
+    </p:extLst>
   </p:cSld>
   <p:clrMapOvr>
     <a:masterClrMapping/>

--- a/doc/presentations/VT-CS-5510/Concurrent-GARTH.pptx
+++ b/doc/presentations/VT-CS-5510/Concurrent-GARTH.pptx
@@ -6,10 +6,10 @@
     <p:sldMasterId id="2147483660" r:id="rId2"/>
   </p:sldMasterIdLst>
   <p:notesMasterIdLst>
-    <p:notesMasterId r:id="rId11"/>
+    <p:notesMasterId r:id="rId12"/>
   </p:notesMasterIdLst>
   <p:handoutMasterIdLst>
-    <p:handoutMasterId r:id="rId12"/>
+    <p:handoutMasterId r:id="rId13"/>
   </p:handoutMasterIdLst>
   <p:sldIdLst>
     <p:sldId id="256" r:id="rId3"/>
@@ -19,7 +19,8 @@
     <p:sldId id="263" r:id="rId7"/>
     <p:sldId id="264" r:id="rId8"/>
     <p:sldId id="265" r:id="rId9"/>
-    <p:sldId id="260" r:id="rId10"/>
+    <p:sldId id="266" r:id="rId10"/>
+    <p:sldId id="260" r:id="rId11"/>
   </p:sldIdLst>
   <p:sldSz cx="9144000" cy="6858000" type="screen4x3"/>
   <p:notesSz cx="6858000" cy="9144000"/>
@@ -1327,6 +1328,93 @@
               <a:rPr lang="en-US" smtClean="0"/>
               <a:pPr/>
               <a:t>8</a:t>
+            </a:fld>
+            <a:endParaRPr lang="en-US"/>
+          </a:p>
+        </p:txBody>
+      </p:sp>
+    </p:spTree>
+  </p:cSld>
+  <p:clrMapOvr>
+    <a:masterClrMapping/>
+  </p:clrMapOvr>
+</p:notes>
+</file>
+
+<file path=ppt/notesSlides/notesSlide9.xml><?xml version="1.0" encoding="utf-8"?>
+<p:notes xmlns:a="http://schemas.openxmlformats.org/drawingml/2006/main" xmlns:r="http://schemas.openxmlformats.org/officeDocument/2006/relationships" xmlns:p="http://schemas.openxmlformats.org/presentationml/2006/main">
+  <p:cSld>
+    <p:spTree>
+      <p:nvGrpSpPr>
+        <p:cNvPr id="1" name=""/>
+        <p:cNvGrpSpPr/>
+        <p:nvPr/>
+      </p:nvGrpSpPr>
+      <p:grpSpPr>
+        <a:xfrm>
+          <a:off x="0" y="0"/>
+          <a:ext cx="0" cy="0"/>
+          <a:chOff x="0" y="0"/>
+          <a:chExt cx="0" cy="0"/>
+        </a:xfrm>
+      </p:grpSpPr>
+      <p:sp>
+        <p:nvSpPr>
+          <p:cNvPr id="2" name="Slide Image Placeholder 1"/>
+          <p:cNvSpPr>
+            <a:spLocks noGrp="1" noRot="1" noChangeAspect="1"/>
+          </p:cNvSpPr>
+          <p:nvPr>
+            <p:ph type="sldImg"/>
+          </p:nvPr>
+        </p:nvSpPr>
+        <p:spPr>
+          <a:xfrm>
+            <a:off x="1143000" y="685800"/>
+            <a:ext cx="4572000" cy="3429000"/>
+          </a:xfrm>
+        </p:spPr>
+      </p:sp>
+      <p:sp>
+        <p:nvSpPr>
+          <p:cNvPr id="3" name="Notes Placeholder 2"/>
+          <p:cNvSpPr>
+            <a:spLocks noGrp="1"/>
+          </p:cNvSpPr>
+          <p:nvPr>
+            <p:ph type="body" idx="1"/>
+          </p:nvPr>
+        </p:nvSpPr>
+        <p:spPr/>
+        <p:txBody>
+          <a:bodyPr>
+            <a:normAutofit/>
+          </a:bodyPr>
+          <a:lstStyle/>
+          <a:p>
+            <a:endParaRPr lang="en-US"/>
+          </a:p>
+        </p:txBody>
+      </p:sp>
+      <p:sp>
+        <p:nvSpPr>
+          <p:cNvPr id="4" name="Slide Number Placeholder 3"/>
+          <p:cNvSpPr>
+            <a:spLocks noGrp="1"/>
+          </p:cNvSpPr>
+          <p:nvPr>
+            <p:ph type="sldNum" sz="quarter" idx="10"/>
+          </p:nvPr>
+        </p:nvSpPr>
+        <p:spPr/>
+        <p:txBody>
+          <a:bodyPr/>
+          <a:lstStyle/>
+          <a:p>
+            <a:fld id="{EC60B1A8-FEDC-4896-9407-D08B494A8462}" type="slidenum">
+              <a:rPr lang="en-US" smtClean="0"/>
+              <a:pPr/>
+              <a:t>9</a:t>
             </a:fld>
             <a:endParaRPr lang="en-US"/>
           </a:p>
@@ -7501,7 +7589,7 @@
         </p:nvSpPr>
         <p:spPr>
           <a:xfrm>
-            <a:off x="251520" y="1052736"/>
+            <a:off x="251520" y="1166887"/>
             <a:ext cx="8568952" cy="1470025"/>
           </a:xfrm>
         </p:spPr>
@@ -7563,8 +7651,8 @@
         </p:nvSpPr>
         <p:spPr>
           <a:xfrm>
-            <a:off x="1187624" y="3573017"/>
-            <a:ext cx="6872808" cy="1440160"/>
+            <a:off x="1187624" y="3861048"/>
+            <a:ext cx="6872808" cy="1080120"/>
           </a:xfrm>
         </p:spPr>
         <p:txBody>
@@ -7745,8 +7833,8 @@
         </p:nvSpPr>
         <p:spPr>
           <a:xfrm>
-            <a:off x="863589" y="2780928"/>
-            <a:ext cx="7416824" cy="523220"/>
+            <a:off x="973579" y="2833772"/>
+            <a:ext cx="7196843" cy="523220"/>
           </a:xfrm>
           <a:prstGeom prst="rect">
             <a:avLst/>
@@ -7925,8 +8013,8 @@
         </p:nvSpPr>
         <p:spPr>
           <a:xfrm>
-            <a:off x="439687" y="2121237"/>
-            <a:ext cx="7516689" cy="3970318"/>
+            <a:off x="439687" y="1772816"/>
+            <a:ext cx="7516689" cy="3323987"/>
           </a:xfrm>
           <a:prstGeom prst="rect">
             <a:avLst/>
@@ -7951,8 +8039,12 @@
                 <a:latin typeface="Times New Roman" pitchFamily="18" charset="0"/>
                 <a:cs typeface="Times New Roman" pitchFamily="18" charset="0"/>
               </a:rPr>
-              <a:t>Introduction</a:t>
-            </a:r>
+              <a:t>Introduction &amp; Motivations</a:t>
+            </a:r>
+            <a:endParaRPr lang="en-US" sz="2800" dirty="0" smtClean="0">
+              <a:latin typeface="Times New Roman" pitchFamily="18" charset="0"/>
+              <a:cs typeface="Times New Roman" pitchFamily="18" charset="0"/>
+            </a:endParaRPr>
           </a:p>
           <a:p>
             <a:pPr marL="693738" indent="-693738">
@@ -7983,7 +8075,7 @@
                 <a:latin typeface="Times New Roman" pitchFamily="18" charset="0"/>
                 <a:cs typeface="Times New Roman" pitchFamily="18" charset="0"/>
               </a:rPr>
-              <a:t>Application Area: Quantum Condensed Matter Physics</a:t>
+              <a:t>Application Area</a:t>
             </a:r>
           </a:p>
           <a:p>
@@ -8017,10 +8109,6 @@
               </a:rPr>
               <a:t>Results &amp; Conclusions</a:t>
             </a:r>
-            <a:endParaRPr lang="en-US" sz="2800" dirty="0" smtClean="0">
-              <a:latin typeface="Times New Roman" pitchFamily="18" charset="0"/>
-              <a:cs typeface="Times New Roman" pitchFamily="18" charset="0"/>
-            </a:endParaRPr>
           </a:p>
         </p:txBody>
       </p:sp>
@@ -8201,7 +8289,7 @@
                 <a:latin typeface="Helvetica Neue Light"/>
                 <a:ea typeface="ＭＳ Ｐゴシック" charset="-128"/>
               </a:rPr>
-              <a:t>Introduction</a:t>
+              <a:t>Intro &amp; Motivations</a:t>
             </a:r>
             <a:endParaRPr lang="en-US" sz="3600" dirty="0"/>
           </a:p>
@@ -9233,6 +9321,596 @@
           </a:extLst>
         </p:spPr>
       </p:pic>
+      <p:graphicFrame>
+        <p:nvGraphicFramePr>
+          <p:cNvPr id="2" name="Table 1"/>
+          <p:cNvGraphicFramePr>
+            <a:graphicFrameLocks noGrp="1"/>
+          </p:cNvGraphicFramePr>
+          <p:nvPr>
+            <p:extLst>
+              <p:ext uri="{D42A27DB-BD31-4B8C-83A1-F6EECF244321}">
+                <p14:modId xmlns:p14="http://schemas.microsoft.com/office/powerpoint/2010/main" val="4277262158"/>
+              </p:ext>
+            </p:extLst>
+          </p:nvPr>
+        </p:nvGraphicFramePr>
+        <p:xfrm>
+          <a:off x="827584" y="2266713"/>
+          <a:ext cx="7632848" cy="4042607"/>
+        </p:xfrm>
+        <a:graphic>
+          <a:graphicData uri="http://schemas.openxmlformats.org/drawingml/2006/table">
+            <a:tbl>
+              <a:tblPr firstRow="1" firstCol="1" bandRow="1">
+                <a:tableStyleId>{5C22544A-7EE6-4342-B048-85BDC9FD1C3A}</a:tableStyleId>
+              </a:tblPr>
+              <a:tblGrid>
+                <a:gridCol w="1908212"/>
+                <a:gridCol w="1908212"/>
+                <a:gridCol w="1908212"/>
+                <a:gridCol w="1908212"/>
+              </a:tblGrid>
+              <a:tr h="780034">
+                <a:tc>
+                  <a:txBody>
+                    <a:bodyPr/>
+                    <a:lstStyle/>
+                    <a:p>
+                      <a:pPr algn="ctr"/>
+                      <a:endParaRPr lang="en-US" dirty="0"/>
+                    </a:p>
+                  </a:txBody>
+                  <a:tcPr anchor="ctr"/>
+                </a:tc>
+                <a:tc>
+                  <a:txBody>
+                    <a:bodyPr/>
+                    <a:lstStyle/>
+                    <a:p>
+                      <a:pPr algn="ctr"/>
+                      <a:r>
+                        <a:rPr lang="en-US" dirty="0" smtClean="0"/>
+                        <a:t>Windows 7</a:t>
+                      </a:r>
+                      <a:endParaRPr lang="en-US" dirty="0"/>
+                    </a:p>
+                  </a:txBody>
+                  <a:tcPr anchor="ctr"/>
+                </a:tc>
+                <a:tc>
+                  <a:txBody>
+                    <a:bodyPr/>
+                    <a:lstStyle/>
+                    <a:p>
+                      <a:pPr algn="ctr"/>
+                      <a:r>
+                        <a:rPr lang="en-US" dirty="0" smtClean="0"/>
+                        <a:t>Mac</a:t>
+                      </a:r>
+                      <a:r>
+                        <a:rPr lang="en-US" baseline="0" dirty="0" smtClean="0"/>
+                        <a:t> </a:t>
+                      </a:r>
+                      <a:r>
+                        <a:rPr lang="en-US" baseline="0" dirty="0" smtClean="0"/>
+                        <a:t>OS 10.8</a:t>
+                      </a:r>
+                      <a:endParaRPr lang="en-US" dirty="0"/>
+                    </a:p>
+                  </a:txBody>
+                  <a:tcPr anchor="ctr"/>
+                </a:tc>
+                <a:tc>
+                  <a:txBody>
+                    <a:bodyPr/>
+                    <a:lstStyle/>
+                    <a:p>
+                      <a:pPr algn="ctr"/>
+                      <a:r>
+                        <a:rPr lang="en-US" dirty="0" smtClean="0"/>
+                        <a:t>Linux  - Ubuntu</a:t>
+                      </a:r>
+                      <a:r>
+                        <a:rPr lang="en-US" baseline="0" dirty="0" smtClean="0"/>
+                        <a:t> 12.04 LTE</a:t>
+                      </a:r>
+                      <a:endParaRPr lang="en-US" dirty="0"/>
+                    </a:p>
+                  </a:txBody>
+                  <a:tcPr anchor="ctr"/>
+                </a:tc>
+              </a:tr>
+              <a:tr h="651951">
+                <a:tc>
+                  <a:txBody>
+                    <a:bodyPr/>
+                    <a:lstStyle/>
+                    <a:p>
+                      <a:pPr algn="ctr"/>
+                      <a:r>
+                        <a:rPr lang="en-US" dirty="0" smtClean="0"/>
+                        <a:t>GNU</a:t>
+                      </a:r>
+                      <a:r>
+                        <a:rPr lang="en-US" baseline="0" dirty="0" smtClean="0"/>
+                        <a:t> GCC 4.8</a:t>
+                      </a:r>
+                      <a:endParaRPr lang="en-US" dirty="0"/>
+                    </a:p>
+                  </a:txBody>
+                  <a:tcPr anchor="ctr"/>
+                </a:tc>
+                <a:tc>
+                  <a:txBody>
+                    <a:bodyPr/>
+                    <a:lstStyle/>
+                    <a:p>
+                      <a:pPr algn="ctr"/>
+                      <a:endParaRPr lang="en-US" dirty="0"/>
+                    </a:p>
+                  </a:txBody>
+                  <a:tcPr anchor="ctr"/>
+                </a:tc>
+                <a:tc>
+                  <a:txBody>
+                    <a:bodyPr/>
+                    <a:lstStyle/>
+                    <a:p>
+                      <a:pPr marL="0" marR="0" indent="0" algn="ctr" defTabSz="457200" rtl="0" eaLnBrk="1" fontAlgn="auto" latinLnBrk="0" hangingPunct="1">
+                        <a:lnSpc>
+                          <a:spcPct val="100000"/>
+                        </a:lnSpc>
+                        <a:spcBef>
+                          <a:spcPts val="0"/>
+                        </a:spcBef>
+                        <a:spcAft>
+                          <a:spcPts val="0"/>
+                        </a:spcAft>
+                        <a:buClrTx/>
+                        <a:buSzTx/>
+                        <a:buFontTx/>
+                        <a:buNone/>
+                        <a:tabLst/>
+                        <a:defRPr/>
+                      </a:pPr>
+                      <a:r>
+                        <a:rPr lang="en-US" dirty="0" smtClean="0">
+                          <a:sym typeface="Wingdings"/>
+                        </a:rPr>
+                        <a:t></a:t>
+                      </a:r>
+                      <a:endParaRPr lang="en-US" dirty="0" smtClean="0"/>
+                    </a:p>
+                  </a:txBody>
+                  <a:tcPr anchor="ctr"/>
+                </a:tc>
+                <a:tc>
+                  <a:txBody>
+                    <a:bodyPr/>
+                    <a:lstStyle/>
+                    <a:p>
+                      <a:pPr marL="0" marR="0" indent="0" algn="ctr" defTabSz="457200" rtl="0" eaLnBrk="1" fontAlgn="auto" latinLnBrk="0" hangingPunct="1">
+                        <a:lnSpc>
+                          <a:spcPct val="100000"/>
+                        </a:lnSpc>
+                        <a:spcBef>
+                          <a:spcPts val="0"/>
+                        </a:spcBef>
+                        <a:spcAft>
+                          <a:spcPts val="0"/>
+                        </a:spcAft>
+                        <a:buClrTx/>
+                        <a:buSzTx/>
+                        <a:buFontTx/>
+                        <a:buNone/>
+                        <a:tabLst/>
+                        <a:defRPr/>
+                      </a:pPr>
+                      <a:r>
+                        <a:rPr lang="en-US" dirty="0" smtClean="0">
+                          <a:sym typeface="Wingdings"/>
+                        </a:rPr>
+                        <a:t></a:t>
+                      </a:r>
+                      <a:endParaRPr lang="en-US" dirty="0" smtClean="0"/>
+                    </a:p>
+                  </a:txBody>
+                  <a:tcPr anchor="ctr"/>
+                </a:tc>
+              </a:tr>
+              <a:tr h="651951">
+                <a:tc>
+                  <a:txBody>
+                    <a:bodyPr/>
+                    <a:lstStyle/>
+                    <a:p>
+                      <a:pPr algn="ctr"/>
+                      <a:r>
+                        <a:rPr lang="en-US" dirty="0" smtClean="0"/>
+                        <a:t>Clang 3.4</a:t>
+                      </a:r>
+                      <a:endParaRPr lang="en-US" dirty="0"/>
+                    </a:p>
+                  </a:txBody>
+                  <a:tcPr anchor="ctr"/>
+                </a:tc>
+                <a:tc>
+                  <a:txBody>
+                    <a:bodyPr/>
+                    <a:lstStyle/>
+                    <a:p>
+                      <a:pPr marL="0" marR="0" indent="0" algn="ctr" defTabSz="457200" rtl="0" eaLnBrk="1" fontAlgn="auto" latinLnBrk="0" hangingPunct="1">
+                        <a:lnSpc>
+                          <a:spcPct val="100000"/>
+                        </a:lnSpc>
+                        <a:spcBef>
+                          <a:spcPts val="0"/>
+                        </a:spcBef>
+                        <a:spcAft>
+                          <a:spcPts val="0"/>
+                        </a:spcAft>
+                        <a:buClrTx/>
+                        <a:buSzTx/>
+                        <a:buFontTx/>
+                        <a:buNone/>
+                        <a:tabLst/>
+                        <a:defRPr/>
+                      </a:pPr>
+                      <a:r>
+                        <a:rPr lang="en-US" dirty="0" smtClean="0">
+                          <a:sym typeface="Wingdings"/>
+                        </a:rPr>
+                        <a:t></a:t>
+                      </a:r>
+                      <a:endParaRPr lang="en-US" dirty="0" smtClean="0"/>
+                    </a:p>
+                  </a:txBody>
+                  <a:tcPr anchor="ctr"/>
+                </a:tc>
+                <a:tc>
+                  <a:txBody>
+                    <a:bodyPr/>
+                    <a:lstStyle/>
+                    <a:p>
+                      <a:pPr marL="0" marR="0" indent="0" algn="ctr" defTabSz="457200" rtl="0" eaLnBrk="1" fontAlgn="auto" latinLnBrk="0" hangingPunct="1">
+                        <a:lnSpc>
+                          <a:spcPct val="100000"/>
+                        </a:lnSpc>
+                        <a:spcBef>
+                          <a:spcPts val="0"/>
+                        </a:spcBef>
+                        <a:spcAft>
+                          <a:spcPts val="0"/>
+                        </a:spcAft>
+                        <a:buClrTx/>
+                        <a:buSzTx/>
+                        <a:buFontTx/>
+                        <a:buNone/>
+                        <a:tabLst/>
+                        <a:defRPr/>
+                      </a:pPr>
+                      <a:r>
+                        <a:rPr lang="en-US" dirty="0" smtClean="0">
+                          <a:sym typeface="Wingdings"/>
+                        </a:rPr>
+                        <a:t></a:t>
+                      </a:r>
+                      <a:endParaRPr lang="en-US" dirty="0" smtClean="0"/>
+                    </a:p>
+                  </a:txBody>
+                  <a:tcPr anchor="ctr"/>
+                </a:tc>
+                <a:tc>
+                  <a:txBody>
+                    <a:bodyPr/>
+                    <a:lstStyle/>
+                    <a:p>
+                      <a:pPr algn="ctr"/>
+                      <a:endParaRPr lang="en-US" dirty="0"/>
+                    </a:p>
+                  </a:txBody>
+                  <a:tcPr anchor="ctr"/>
+                </a:tc>
+              </a:tr>
+              <a:tr h="651951">
+                <a:tc>
+                  <a:txBody>
+                    <a:bodyPr/>
+                    <a:lstStyle/>
+                    <a:p>
+                      <a:pPr algn="ctr"/>
+                      <a:r>
+                        <a:rPr lang="en-US" dirty="0" err="1" smtClean="0"/>
+                        <a:t>MinGW</a:t>
+                      </a:r>
+                      <a:r>
+                        <a:rPr lang="en-US" dirty="0" smtClean="0"/>
+                        <a:t> 4.8</a:t>
+                      </a:r>
+                      <a:endParaRPr lang="en-US" dirty="0"/>
+                    </a:p>
+                  </a:txBody>
+                  <a:tcPr anchor="ctr"/>
+                </a:tc>
+                <a:tc>
+                  <a:txBody>
+                    <a:bodyPr/>
+                    <a:lstStyle/>
+                    <a:p>
+                      <a:pPr marL="0" marR="0" indent="0" algn="ctr" defTabSz="457200" rtl="0" eaLnBrk="1" fontAlgn="auto" latinLnBrk="0" hangingPunct="1">
+                        <a:lnSpc>
+                          <a:spcPct val="100000"/>
+                        </a:lnSpc>
+                        <a:spcBef>
+                          <a:spcPts val="0"/>
+                        </a:spcBef>
+                        <a:spcAft>
+                          <a:spcPts val="0"/>
+                        </a:spcAft>
+                        <a:buClrTx/>
+                        <a:buSzTx/>
+                        <a:buFontTx/>
+                        <a:buNone/>
+                        <a:tabLst/>
+                        <a:defRPr/>
+                      </a:pPr>
+                      <a:r>
+                        <a:rPr lang="en-US" dirty="0" smtClean="0">
+                          <a:sym typeface="Wingdings"/>
+                        </a:rPr>
+                        <a:t></a:t>
+                      </a:r>
+                      <a:endParaRPr lang="en-US" dirty="0" smtClean="0"/>
+                    </a:p>
+                  </a:txBody>
+                  <a:tcPr anchor="ctr"/>
+                </a:tc>
+                <a:tc>
+                  <a:txBody>
+                    <a:bodyPr/>
+                    <a:lstStyle/>
+                    <a:p>
+                      <a:pPr algn="ctr"/>
+                      <a:endParaRPr lang="en-US" dirty="0"/>
+                    </a:p>
+                  </a:txBody>
+                  <a:tcPr anchor="ctr"/>
+                </a:tc>
+                <a:tc>
+                  <a:txBody>
+                    <a:bodyPr/>
+                    <a:lstStyle/>
+                    <a:p>
+                      <a:pPr algn="ctr"/>
+                      <a:endParaRPr lang="en-US"/>
+                    </a:p>
+                  </a:txBody>
+                  <a:tcPr anchor="ctr"/>
+                </a:tc>
+              </a:tr>
+              <a:tr h="653360">
+                <a:tc>
+                  <a:txBody>
+                    <a:bodyPr/>
+                    <a:lstStyle/>
+                    <a:p>
+                      <a:pPr marL="0" marR="0" indent="0" algn="ctr" defTabSz="457200" rtl="0" eaLnBrk="1" fontAlgn="auto" latinLnBrk="0" hangingPunct="1">
+                        <a:lnSpc>
+                          <a:spcPct val="100000"/>
+                        </a:lnSpc>
+                        <a:spcBef>
+                          <a:spcPts val="0"/>
+                        </a:spcBef>
+                        <a:spcAft>
+                          <a:spcPts val="0"/>
+                        </a:spcAft>
+                        <a:buClrTx/>
+                        <a:buSzTx/>
+                        <a:buFontTx/>
+                        <a:buNone/>
+                        <a:tabLst/>
+                        <a:defRPr/>
+                      </a:pPr>
+                      <a:r>
+                        <a:rPr lang="en-US" dirty="0" smtClean="0"/>
+                        <a:t>MSVC</a:t>
+                      </a:r>
+                      <a:r>
+                        <a:rPr lang="en-US" baseline="0" dirty="0" smtClean="0"/>
+                        <a:t> </a:t>
+                      </a:r>
+                      <a:r>
+                        <a:rPr lang="en-US" baseline="0" dirty="0" smtClean="0"/>
+                        <a:t>18.0</a:t>
+                      </a:r>
+                      <a:endParaRPr lang="en-US" dirty="0" smtClean="0"/>
+                    </a:p>
+                  </a:txBody>
+                  <a:tcPr anchor="ctr"/>
+                </a:tc>
+                <a:tc>
+                  <a:txBody>
+                    <a:bodyPr/>
+                    <a:lstStyle/>
+                    <a:p>
+                      <a:pPr marL="0" marR="0" indent="0" algn="ctr" defTabSz="457200" rtl="0" eaLnBrk="1" fontAlgn="auto" latinLnBrk="0" hangingPunct="1">
+                        <a:lnSpc>
+                          <a:spcPct val="100000"/>
+                        </a:lnSpc>
+                        <a:spcBef>
+                          <a:spcPts val="0"/>
+                        </a:spcBef>
+                        <a:spcAft>
+                          <a:spcPts val="0"/>
+                        </a:spcAft>
+                        <a:buClrTx/>
+                        <a:buSzTx/>
+                        <a:buFontTx/>
+                        <a:buNone/>
+                        <a:tabLst/>
+                        <a:defRPr/>
+                      </a:pPr>
+                      <a:r>
+                        <a:rPr lang="en-US" dirty="0" smtClean="0">
+                          <a:sym typeface="Wingdings"/>
+                        </a:rPr>
+                        <a:t></a:t>
+                      </a:r>
+                      <a:endParaRPr lang="en-US" dirty="0" smtClean="0"/>
+                    </a:p>
+                  </a:txBody>
+                  <a:tcPr anchor="ctr"/>
+                </a:tc>
+                <a:tc>
+                  <a:txBody>
+                    <a:bodyPr/>
+                    <a:lstStyle/>
+                    <a:p>
+                      <a:pPr algn="ctr"/>
+                      <a:endParaRPr lang="en-US" dirty="0"/>
+                    </a:p>
+                  </a:txBody>
+                  <a:tcPr anchor="ctr"/>
+                </a:tc>
+                <a:tc>
+                  <a:txBody>
+                    <a:bodyPr/>
+                    <a:lstStyle/>
+                    <a:p>
+                      <a:pPr algn="ctr"/>
+                      <a:endParaRPr lang="en-US" dirty="0"/>
+                    </a:p>
+                  </a:txBody>
+                  <a:tcPr anchor="ctr"/>
+                </a:tc>
+              </a:tr>
+              <a:tr h="653360">
+                <a:tc>
+                  <a:txBody>
+                    <a:bodyPr/>
+                    <a:lstStyle/>
+                    <a:p>
+                      <a:pPr marL="0" marR="0" indent="0" algn="ctr" defTabSz="457200" rtl="0" eaLnBrk="1" fontAlgn="auto" latinLnBrk="0" hangingPunct="1">
+                        <a:lnSpc>
+                          <a:spcPct val="100000"/>
+                        </a:lnSpc>
+                        <a:spcBef>
+                          <a:spcPts val="0"/>
+                        </a:spcBef>
+                        <a:spcAft>
+                          <a:spcPts val="0"/>
+                        </a:spcAft>
+                        <a:buClrTx/>
+                        <a:buSzTx/>
+                        <a:buFontTx/>
+                        <a:buNone/>
+                        <a:tabLst/>
+                        <a:defRPr/>
+                      </a:pPr>
+                      <a:r>
+                        <a:rPr lang="en-US" dirty="0" smtClean="0"/>
+                        <a:t>Intel </a:t>
+                      </a:r>
+                      <a:r>
+                        <a:rPr lang="en-US" dirty="0" smtClean="0"/>
+                        <a:t>14.0</a:t>
+                      </a:r>
+                      <a:endParaRPr lang="en-US" dirty="0" smtClean="0"/>
+                    </a:p>
+                  </a:txBody>
+                  <a:tcPr anchor="ctr"/>
+                </a:tc>
+                <a:tc>
+                  <a:txBody>
+                    <a:bodyPr/>
+                    <a:lstStyle/>
+                    <a:p>
+                      <a:pPr marL="0" marR="0" indent="0" algn="ctr" defTabSz="457200" rtl="0" eaLnBrk="1" fontAlgn="auto" latinLnBrk="0" hangingPunct="1">
+                        <a:lnSpc>
+                          <a:spcPct val="100000"/>
+                        </a:lnSpc>
+                        <a:spcBef>
+                          <a:spcPts val="0"/>
+                        </a:spcBef>
+                        <a:spcAft>
+                          <a:spcPts val="0"/>
+                        </a:spcAft>
+                        <a:buClrTx/>
+                        <a:buSzTx/>
+                        <a:buFontTx/>
+                        <a:buNone/>
+                        <a:tabLst/>
+                        <a:defRPr/>
+                      </a:pPr>
+                      <a:r>
+                        <a:rPr lang="en-US" dirty="0" smtClean="0">
+                          <a:sym typeface="Wingdings"/>
+                        </a:rPr>
+                        <a:t></a:t>
+                      </a:r>
+                      <a:endParaRPr lang="en-US" dirty="0" smtClean="0"/>
+                    </a:p>
+                  </a:txBody>
+                  <a:tcPr anchor="ctr"/>
+                </a:tc>
+                <a:tc>
+                  <a:txBody>
+                    <a:bodyPr/>
+                    <a:lstStyle/>
+                    <a:p>
+                      <a:pPr algn="ctr"/>
+                      <a:endParaRPr lang="en-US"/>
+                    </a:p>
+                  </a:txBody>
+                  <a:tcPr anchor="ctr"/>
+                </a:tc>
+                <a:tc>
+                  <a:txBody>
+                    <a:bodyPr/>
+                    <a:lstStyle/>
+                    <a:p>
+                      <a:pPr algn="ctr"/>
+                      <a:endParaRPr lang="en-US" dirty="0"/>
+                    </a:p>
+                  </a:txBody>
+                  <a:tcPr anchor="ctr"/>
+                </a:tc>
+              </a:tr>
+            </a:tbl>
+          </a:graphicData>
+        </a:graphic>
+      </p:graphicFrame>
+      <p:sp>
+        <p:nvSpPr>
+          <p:cNvPr id="4" name="TextBox 3"/>
+          <p:cNvSpPr txBox="1"/>
+          <p:nvPr/>
+        </p:nvSpPr>
+        <p:spPr>
+          <a:xfrm>
+            <a:off x="1547664" y="1484784"/>
+            <a:ext cx="6004521" cy="523220"/>
+          </a:xfrm>
+          <a:prstGeom prst="rect">
+            <a:avLst/>
+          </a:prstGeom>
+          <a:noFill/>
+        </p:spPr>
+        <p:txBody>
+          <a:bodyPr wrap="square" rtlCol="0">
+            <a:spAutoFit/>
+          </a:bodyPr>
+          <a:lstStyle/>
+          <a:p>
+            <a:r>
+              <a:rPr lang="en-US" sz="2800" u="sng" dirty="0" smtClean="0"/>
+              <a:t>Cross- Compiler / Cross-Platform Results</a:t>
+            </a:r>
+            <a:endParaRPr lang="en-US" sz="2800" u="sng" dirty="0"/>
+          </a:p>
+        </p:txBody>
+      </p:sp>
     </p:spTree>
     <p:extLst>
       <p:ext uri="{BB962C8B-B14F-4D97-AF65-F5344CB8AC3E}">
@@ -9301,7 +9979,7 @@
                 <a:latin typeface="Helvetica Neue Light"/>
                 <a:ea typeface="ＭＳ Ｐゴシック" charset="-128"/>
               </a:rPr>
-              <a:t>Questions</a:t>
+              <a:t>Results &amp; Conclusions</a:t>
             </a:r>
             <a:endParaRPr lang="en-US" sz="3600" dirty="0"/>
           </a:p>
@@ -9455,13 +10133,263 @@
       </p:pic>
       <p:sp>
         <p:nvSpPr>
+          <p:cNvPr id="4" name="TextBox 3"/>
+          <p:cNvSpPr txBox="1"/>
+          <p:nvPr/>
+        </p:nvSpPr>
+        <p:spPr>
+          <a:xfrm>
+            <a:off x="1688812" y="1340768"/>
+            <a:ext cx="5763508" cy="523220"/>
+          </a:xfrm>
+          <a:prstGeom prst="rect">
+            <a:avLst/>
+          </a:prstGeom>
+          <a:noFill/>
+        </p:spPr>
+        <p:txBody>
+          <a:bodyPr wrap="square" rtlCol="0">
+            <a:spAutoFit/>
+          </a:bodyPr>
+          <a:lstStyle/>
+          <a:p>
+            <a:r>
+              <a:rPr lang="en-US" sz="2800" u="sng" dirty="0" smtClean="0"/>
+              <a:t>Mini-Benchmark Performance Results</a:t>
+            </a:r>
+            <a:endParaRPr lang="en-US" sz="2800" u="sng" dirty="0"/>
+          </a:p>
+        </p:txBody>
+      </p:sp>
+    </p:spTree>
+    <p:extLst>
+      <p:ext uri="{BB962C8B-B14F-4D97-AF65-F5344CB8AC3E}">
+        <p14:creationId xmlns:p14="http://schemas.microsoft.com/office/powerpoint/2010/main" val="2204709555"/>
+      </p:ext>
+    </p:extLst>
+  </p:cSld>
+  <p:clrMapOvr>
+    <a:masterClrMapping/>
+  </p:clrMapOvr>
+  <p:timing>
+    <p:tnLst>
+      <p:par>
+        <p:cTn id="1" dur="indefinite" restart="never" nodeType="tmRoot"/>
+      </p:par>
+    </p:tnLst>
+  </p:timing>
+</p:sld>
+</file>
+
+<file path=ppt/slides/slide9.xml><?xml version="1.0" encoding="utf-8"?>
+<p:sld xmlns:a="http://schemas.openxmlformats.org/drawingml/2006/main" xmlns:r="http://schemas.openxmlformats.org/officeDocument/2006/relationships" xmlns:p="http://schemas.openxmlformats.org/presentationml/2006/main">
+  <p:cSld>
+    <p:spTree>
+      <p:nvGrpSpPr>
+        <p:cNvPr id="1" name=""/>
+        <p:cNvGrpSpPr/>
+        <p:nvPr/>
+      </p:nvGrpSpPr>
+      <p:grpSpPr>
+        <a:xfrm>
+          <a:off x="0" y="0"/>
+          <a:ext cx="0" cy="0"/>
+          <a:chOff x="0" y="0"/>
+          <a:chExt cx="0" cy="0"/>
+        </a:xfrm>
+      </p:grpSpPr>
+      <p:sp>
+        <p:nvSpPr>
+          <p:cNvPr id="28" name="TextBox 27"/>
+          <p:cNvSpPr txBox="1"/>
+          <p:nvPr/>
+        </p:nvSpPr>
+        <p:spPr>
+          <a:xfrm>
+            <a:off x="1320538" y="260649"/>
+            <a:ext cx="6375663" cy="646331"/>
+          </a:xfrm>
+          <a:prstGeom prst="rect">
+            <a:avLst/>
+          </a:prstGeom>
+          <a:noFill/>
+        </p:spPr>
+        <p:txBody>
+          <a:bodyPr wrap="square" rtlCol="0">
+            <a:spAutoFit/>
+          </a:bodyPr>
+          <a:lstStyle/>
+          <a:p>
+            <a:pPr algn="ctr"/>
+            <a:r>
+              <a:rPr lang="en-US" sz="3600" kern="0" dirty="0" smtClean="0">
+                <a:solidFill>
+                  <a:schemeClr val="bg1"/>
+                </a:solidFill>
+                <a:latin typeface="Helvetica Neue Light"/>
+                <a:ea typeface="ＭＳ Ｐゴシック" charset="-128"/>
+              </a:rPr>
+              <a:t>Questions</a:t>
+            </a:r>
+            <a:endParaRPr lang="en-US" sz="3600" dirty="0"/>
+          </a:p>
+        </p:txBody>
+      </p:sp>
+      <p:pic>
+        <p:nvPicPr>
+          <p:cNvPr id="3" name="Picture 13"/>
+          <p:cNvPicPr>
+            <a:picLocks noChangeAspect="1" noChangeArrowheads="1"/>
+          </p:cNvPicPr>
+          <p:nvPr/>
+        </p:nvPicPr>
+        <p:blipFill>
+          <a:blip r:embed="rId3"/>
+          <a:srcRect/>
+          <a:stretch>
+            <a:fillRect/>
+          </a:stretch>
+        </p:blipFill>
+        <p:spPr bwMode="auto">
+          <a:xfrm>
+            <a:off x="2339752" y="3878911"/>
+            <a:ext cx="6804248" cy="2979090"/>
+          </a:xfrm>
+          <a:prstGeom prst="rect">
+            <a:avLst/>
+          </a:prstGeom>
+          <a:noFill/>
+          <a:ln w="9525">
+            <a:noFill/>
+            <a:miter lim="800000"/>
+            <a:headEnd/>
+            <a:tailEnd/>
+          </a:ln>
+        </p:spPr>
+      </p:pic>
+      <p:sp>
+        <p:nvSpPr>
+          <p:cNvPr id="8" name="Slide Number Placeholder 7"/>
+          <p:cNvSpPr>
+            <a:spLocks noGrp="1"/>
+          </p:cNvSpPr>
+          <p:nvPr>
+            <p:ph type="sldNum" sz="quarter" idx="12"/>
+          </p:nvPr>
+        </p:nvSpPr>
+        <p:spPr/>
+        <p:txBody>
+          <a:bodyPr/>
+          <a:lstStyle/>
+          <a:p>
+            <a:fld id="{A295868D-BDAC-294F-ACE9-EAB02C26F78E}" type="slidenum">
+              <a:rPr lang="en-US" smtClean="0">
+                <a:solidFill>
+                  <a:schemeClr val="tx1"/>
+                </a:solidFill>
+              </a:rPr>
+              <a:pPr/>
+              <a:t>9</a:t>
+            </a:fld>
+            <a:endParaRPr lang="en-US" dirty="0">
+              <a:solidFill>
+                <a:schemeClr val="tx1"/>
+              </a:solidFill>
+            </a:endParaRPr>
+          </a:p>
+        </p:txBody>
+      </p:sp>
+      <p:pic>
+        <p:nvPicPr>
+          <p:cNvPr id="10" name="Picture 2" descr="C:\Users\Meagan\Desktop\Caleb\vt-seal.jpg"/>
+          <p:cNvPicPr>
+            <a:picLocks noChangeAspect="1" noChangeArrowheads="1"/>
+          </p:cNvPicPr>
+          <p:nvPr/>
+        </p:nvPicPr>
+        <p:blipFill>
+          <a:blip r:embed="rId4">
+            <a:extLst>
+              <a:ext uri="{28A0092B-C50C-407E-A947-70E740481C1C}">
+                <a14:useLocalDpi xmlns:a14="http://schemas.microsoft.com/office/drawing/2010/main" val="0"/>
+              </a:ext>
+            </a:extLst>
+          </a:blip>
+          <a:srcRect/>
+          <a:stretch>
+            <a:fillRect/>
+          </a:stretch>
+        </p:blipFill>
+        <p:spPr bwMode="auto">
+          <a:xfrm>
+            <a:off x="7696201" y="61514"/>
+            <a:ext cx="1412303" cy="1044600"/>
+          </a:xfrm>
+          <a:prstGeom prst="rect">
+            <a:avLst/>
+          </a:prstGeom>
+          <a:noFill/>
+          <a:extLst>
+            <a:ext uri="{909E8E84-426E-40DD-AFC4-6F175D3DCCD1}">
+              <a14:hiddenFill xmlns:a14="http://schemas.microsoft.com/office/drawing/2010/main">
+                <a:solidFill>
+                  <a:srgbClr val="FFFFFF"/>
+                </a:solidFill>
+              </a14:hiddenFill>
+            </a:ext>
+          </a:extLst>
+        </p:spPr>
+      </p:pic>
+      <p:pic>
+        <p:nvPicPr>
+          <p:cNvPr id="15" name="Picture 2" descr="C:\Users\Meagan\Desktop\Caleb\vt-seal.jpg"/>
+          <p:cNvPicPr>
+            <a:picLocks noChangeAspect="1" noChangeArrowheads="1"/>
+          </p:cNvPicPr>
+          <p:nvPr/>
+        </p:nvPicPr>
+        <p:blipFill>
+          <a:blip r:embed="rId4">
+            <a:extLst>
+              <a:ext uri="{28A0092B-C50C-407E-A947-70E740481C1C}">
+                <a14:useLocalDpi xmlns:a14="http://schemas.microsoft.com/office/drawing/2010/main" val="0"/>
+              </a:ext>
+            </a:extLst>
+          </a:blip>
+          <a:srcRect/>
+          <a:stretch>
+            <a:fillRect/>
+          </a:stretch>
+        </p:blipFill>
+        <p:spPr bwMode="auto">
+          <a:xfrm>
+            <a:off x="35496" y="61514"/>
+            <a:ext cx="1412303" cy="1044600"/>
+          </a:xfrm>
+          <a:prstGeom prst="rect">
+            <a:avLst/>
+          </a:prstGeom>
+          <a:noFill/>
+          <a:extLst>
+            <a:ext uri="{909E8E84-426E-40DD-AFC4-6F175D3DCCD1}">
+              <a14:hiddenFill xmlns:a14="http://schemas.microsoft.com/office/drawing/2010/main">
+                <a:solidFill>
+                  <a:srgbClr val="FFFFFF"/>
+                </a:solidFill>
+              </a14:hiddenFill>
+            </a:ext>
+          </a:extLst>
+        </p:spPr>
+      </p:pic>
+      <p:sp>
+        <p:nvSpPr>
           <p:cNvPr id="9" name="TextBox 8"/>
           <p:cNvSpPr txBox="1"/>
           <p:nvPr/>
         </p:nvSpPr>
         <p:spPr>
           <a:xfrm>
-            <a:off x="683568" y="3009726"/>
+            <a:off x="683568" y="1916832"/>
             <a:ext cx="7992888" cy="923330"/>
           </a:xfrm>
           <a:prstGeom prst="rect">
@@ -9494,6 +10422,66 @@
               <a:latin typeface="Times New Roman" pitchFamily="18" charset="0"/>
               <a:cs typeface="Times New Roman" pitchFamily="18" charset="0"/>
             </a:endParaRPr>
+          </a:p>
+        </p:txBody>
+      </p:sp>
+      <p:pic>
+        <p:nvPicPr>
+          <p:cNvPr id="2" name="Picture 1"/>
+          <p:cNvPicPr>
+            <a:picLocks noChangeAspect="1"/>
+          </p:cNvPicPr>
+          <p:nvPr/>
+        </p:nvPicPr>
+        <p:blipFill>
+          <a:blip r:embed="rId5">
+            <a:extLst>
+              <a:ext uri="{28A0092B-C50C-407E-A947-70E740481C1C}">
+                <a14:useLocalDpi xmlns:a14="http://schemas.microsoft.com/office/drawing/2010/main" val="0"/>
+              </a:ext>
+            </a:extLst>
+          </a:blip>
+          <a:stretch>
+            <a:fillRect/>
+          </a:stretch>
+        </p:blipFill>
+        <p:spPr>
+          <a:xfrm>
+            <a:off x="3315726" y="3519264"/>
+            <a:ext cx="2286000" cy="2286000"/>
+          </a:xfrm>
+          <a:prstGeom prst="rect">
+            <a:avLst/>
+          </a:prstGeom>
+        </p:spPr>
+      </p:pic>
+      <p:sp>
+        <p:nvSpPr>
+          <p:cNvPr id="4" name="TextBox 3"/>
+          <p:cNvSpPr txBox="1"/>
+          <p:nvPr/>
+        </p:nvSpPr>
+        <p:spPr>
+          <a:xfrm>
+            <a:off x="3999548" y="3153486"/>
+            <a:ext cx="918356" cy="369332"/>
+          </a:xfrm>
+          <a:prstGeom prst="rect">
+            <a:avLst/>
+          </a:prstGeom>
+          <a:noFill/>
+        </p:spPr>
+        <p:txBody>
+          <a:bodyPr wrap="square" rtlCol="0">
+            <a:spAutoFit/>
+          </a:bodyPr>
+          <a:lstStyle/>
+          <a:p>
+            <a:r>
+              <a:rPr lang="en-US" dirty="0" smtClean="0"/>
+              <a:t>N = 12</a:t>
+            </a:r>
+            <a:endParaRPr lang="en-US" dirty="0"/>
           </a:p>
         </p:txBody>
       </p:sp>

--- a/doc/presentations/VT-CS-5510/Concurrent-GARTH.pptx
+++ b/doc/presentations/VT-CS-5510/Concurrent-GARTH.pptx
@@ -430,11 +430,11 @@
         </c:dLbls>
         <c:marker val="1"/>
         <c:smooth val="0"/>
-        <c:axId val="111420416"/>
-        <c:axId val="38397056"/>
+        <c:axId val="45080064"/>
+        <c:axId val="35402816"/>
       </c:lineChart>
       <c:catAx>
-        <c:axId val="111420416"/>
+        <c:axId val="45080064"/>
         <c:scaling>
           <c:orientation val="minMax"/>
         </c:scaling>
@@ -467,7 +467,7 @@
         <c:majorTickMark val="out"/>
         <c:minorTickMark val="none"/>
         <c:tickLblPos val="nextTo"/>
-        <c:crossAx val="38397056"/>
+        <c:crossAx val="35402816"/>
         <c:crosses val="autoZero"/>
         <c:auto val="1"/>
         <c:lblAlgn val="ctr"/>
@@ -475,7 +475,7 @@
         <c:noMultiLvlLbl val="0"/>
       </c:catAx>
       <c:valAx>
-        <c:axId val="38397056"/>
+        <c:axId val="35402816"/>
         <c:scaling>
           <c:orientation val="minMax"/>
         </c:scaling>
@@ -510,7 +510,7 @@
         <c:majorTickMark val="out"/>
         <c:minorTickMark val="none"/>
         <c:tickLblPos val="nextTo"/>
-        <c:crossAx val="111420416"/>
+        <c:crossAx val="45080064"/>
         <c:crosses val="autoZero"/>
         <c:crossBetween val="between"/>
       </c:valAx>
@@ -7216,7 +7216,7 @@
           <p:nvPr userDrawn="1"/>
         </p:nvPicPr>
         <mc:AlternateContent xmlns:mc="http://schemas.openxmlformats.org/markup-compatibility/2006">
-          <mc:Choice xmlns:ma="http://schemas.microsoft.com/office/mac/drawingml/2008/main" xmlns:mv="urn:schemas-microsoft-com:mac:vml" xmlns="" Requires="ma">
+          <mc:Choice xmlns="" xmlns:mv="urn:schemas-microsoft-com:mac:vml" xmlns:ma="http://schemas.microsoft.com/office/mac/drawingml/2008/main" Requires="ma">
             <p:blipFill>
               <a:blip r:embed="rId15"/>
               <a:srcRect l="-5579" r="-5579"/>
@@ -9179,11 +9179,7 @@
           <a:p>
             <a:r>
               <a:rPr lang="en-US" dirty="0" smtClean="0"/>
-              <a:t>N = </a:t>
-            </a:r>
-            <a:r>
-              <a:rPr lang="en-US" dirty="0" smtClean="0"/>
-              <a:t>12, ~10,000 generations</a:t>
+              <a:t>N = 12, ~10,000 generations</a:t>
             </a:r>
             <a:endParaRPr lang="en-US" dirty="0"/>
           </a:p>
@@ -9529,10 +9525,6 @@
               </a:rPr>
               <a:t>Algorithms &amp; Framework</a:t>
             </a:r>
-            <a:endParaRPr lang="en-US" sz="2800" dirty="0" smtClean="0">
-              <a:latin typeface="Times New Roman" pitchFamily="18" charset="0"/>
-              <a:cs typeface="Times New Roman" pitchFamily="18" charset="0"/>
-            </a:endParaRPr>
           </a:p>
           <a:p>
             <a:pPr marL="693738" indent="-693738">
@@ -9547,14 +9539,7 @@
                 <a:latin typeface="Times New Roman" pitchFamily="18" charset="0"/>
                 <a:cs typeface="Times New Roman" pitchFamily="18" charset="0"/>
               </a:rPr>
-              <a:t>Concurrent </a:t>
-            </a:r>
-            <a:r>
-              <a:rPr lang="en-US" sz="2800" strike="sngStrike" dirty="0" smtClean="0">
-                <a:latin typeface="Times New Roman" pitchFamily="18" charset="0"/>
-                <a:cs typeface="Times New Roman" pitchFamily="18" charset="0"/>
-              </a:rPr>
-              <a:t>Methods &amp; Implementation</a:t>
+              <a:t>Concurrent Methods &amp; Implementation</a:t>
             </a:r>
             <a:r>
               <a:rPr lang="en-US" sz="2800" dirty="0" smtClean="0">
@@ -9599,10 +9584,6 @@
               </a:rPr>
               <a:t>Future Work</a:t>
             </a:r>
-            <a:endParaRPr lang="en-US" sz="2800" dirty="0" smtClean="0">
-              <a:latin typeface="Times New Roman" pitchFamily="18" charset="0"/>
-              <a:cs typeface="Times New Roman" pitchFamily="18" charset="0"/>
-            </a:endParaRPr>
           </a:p>
         </p:txBody>
       </p:sp>
@@ -10332,8 +10313,8 @@
           </a:p>
         </p:txBody>
       </p:sp>
-      <mc:AlternateContent xmlns:mc="http://schemas.openxmlformats.org/markup-compatibility/2006">
-        <mc:Choice xmlns:a14="http://schemas.microsoft.com/office/drawing/2010/main" Requires="a14">
+      <mc:AlternateContent xmlns:mc="http://schemas.openxmlformats.org/markup-compatibility/2006" xmlns:a14="http://schemas.microsoft.com/office/drawing/2010/main">
+        <mc:Choice Requires="a14">
           <p:sp>
             <p:nvSpPr>
               <p:cNvPr id="7" name="TextBox 6"/>
@@ -10356,6 +10337,7 @@
               </a:bodyPr>
               <a:lstStyle/>
               <a:p>
+                <a:pPr/>
                 <a14:m>
                   <m:oMathPara xmlns:m="http://schemas.openxmlformats.org/officeDocument/2006/math">
                     <m:oMathParaPr>
@@ -10641,7 +10623,7 @@
             </p:txBody>
           </p:sp>
         </mc:Choice>
-        <mc:Fallback>
+        <mc:Fallback xmlns="">
           <p:sp>
             <p:nvSpPr>
               <p:cNvPr id="7" name="TextBox 6"/>
@@ -11017,17 +10999,7 @@
                 <a:latin typeface="Helvetica Neue Light"/>
                 <a:ea typeface="ＭＳ Ｐゴシック" charset="-128"/>
               </a:rPr>
-              <a:t>Genetic </a:t>
-            </a:r>
-            <a:r>
-              <a:rPr lang="en-US" sz="3600" kern="0" dirty="0" smtClean="0">
-                <a:solidFill>
-                  <a:schemeClr val="bg1"/>
-                </a:solidFill>
-                <a:latin typeface="Helvetica Neue Light"/>
-                <a:ea typeface="ＭＳ Ｐゴシック" charset="-128"/>
-              </a:rPr>
-              <a:t>Algorithms</a:t>
+              <a:t>Genetic Algorithms</a:t>
             </a:r>
             <a:endParaRPr lang="en-US" sz="3600" dirty="0"/>
           </a:p>
@@ -17467,11 +17439,7 @@
           <a:p>
             <a:r>
               <a:rPr lang="en-US" sz="2800" u="sng" dirty="0" smtClean="0"/>
-              <a:t>Cross-Compiler </a:t>
-            </a:r>
-            <a:r>
-              <a:rPr lang="en-US" sz="2800" u="sng" dirty="0" smtClean="0"/>
-              <a:t>/ Cross-Platform Results</a:t>
+              <a:t>Cross-Compiler / Cross-Platform Results</a:t>
             </a:r>
             <a:endParaRPr lang="en-US" sz="2800" u="sng" dirty="0"/>
           </a:p>

--- a/doc/presentations/VT-CS-5510/Concurrent-GARTH.pptx
+++ b/doc/presentations/VT-CS-5510/Concurrent-GARTH.pptx
@@ -430,11 +430,11 @@
         </c:dLbls>
         <c:marker val="1"/>
         <c:smooth val="0"/>
-        <c:axId val="45080064"/>
-        <c:axId val="35402816"/>
+        <c:axId val="99343872"/>
+        <c:axId val="92886080"/>
       </c:lineChart>
       <c:catAx>
-        <c:axId val="45080064"/>
+        <c:axId val="99343872"/>
         <c:scaling>
           <c:orientation val="minMax"/>
         </c:scaling>
@@ -467,7 +467,7 @@
         <c:majorTickMark val="out"/>
         <c:minorTickMark val="none"/>
         <c:tickLblPos val="nextTo"/>
-        <c:crossAx val="35402816"/>
+        <c:crossAx val="92886080"/>
         <c:crosses val="autoZero"/>
         <c:auto val="1"/>
         <c:lblAlgn val="ctr"/>
@@ -475,7 +475,7 @@
         <c:noMultiLvlLbl val="0"/>
       </c:catAx>
       <c:valAx>
-        <c:axId val="35402816"/>
+        <c:axId val="92886080"/>
         <c:scaling>
           <c:orientation val="minMax"/>
         </c:scaling>
@@ -510,7 +510,7 @@
         <c:majorTickMark val="out"/>
         <c:minorTickMark val="none"/>
         <c:tickLblPos val="nextTo"/>
-        <c:crossAx val="45080064"/>
+        <c:crossAx val="99343872"/>
         <c:crosses val="autoZero"/>
         <c:crossBetween val="between"/>
       </c:valAx>
@@ -618,7 +618,7 @@
             <a:fld id="{77370B40-DE16-D54D-85DC-685D6FFA149C}" type="datetime1">
               <a:rPr lang="en-US" smtClean="0"/>
               <a:pPr/>
-              <a:t>5/6/2014</a:t>
+              <a:t>5/7/2014</a:t>
             </a:fld>
             <a:endParaRPr lang="en-US"/>
           </a:p>
@@ -786,7 +786,7 @@
             <a:fld id="{B42D3576-ACB6-8D40-880A-9611A3F06BD9}" type="datetime1">
               <a:rPr lang="en-US" smtClean="0"/>
               <a:pPr/>
-              <a:t>5/6/2014</a:t>
+              <a:t>5/7/2014</a:t>
             </a:fld>
             <a:endParaRPr lang="en-US"/>
           </a:p>
@@ -2197,7 +2197,7 @@
             <a:fld id="{302B1813-851F-5145-86F8-ECF664C746EA}" type="datetime1">
               <a:rPr lang="en-US" smtClean="0"/>
               <a:pPr/>
-              <a:t>5/6/2014</a:t>
+              <a:t>5/7/2014</a:t>
             </a:fld>
             <a:endParaRPr lang="en-US"/>
           </a:p>
@@ -2390,7 +2390,7 @@
             <a:fld id="{F222710A-E3D4-874C-BF0A-2EE80737C278}" type="datetime1">
               <a:rPr lang="en-US" smtClean="0"/>
               <a:pPr/>
-              <a:t>5/6/2014</a:t>
+              <a:t>5/7/2014</a:t>
             </a:fld>
             <a:endParaRPr lang="en-US"/>
           </a:p>
@@ -2567,7 +2567,7 @@
             <a:fld id="{68A066AA-89AE-324F-8F2B-CC24E59E8D6A}" type="datetime1">
               <a:rPr lang="en-US" smtClean="0"/>
               <a:pPr/>
-              <a:t>5/6/2014</a:t>
+              <a:t>5/7/2014</a:t>
             </a:fld>
             <a:endParaRPr lang="en-US"/>
           </a:p>
@@ -2806,7 +2806,7 @@
             <a:fld id="{8228DF5F-1255-4F4A-9AC8-5B0C0DD0F5EA}" type="datetime1">
               <a:rPr lang="en-US" smtClean="0"/>
               <a:pPr/>
-              <a:t>5/6/2014</a:t>
+              <a:t>5/7/2014</a:t>
             </a:fld>
             <a:endParaRPr lang="en-US"/>
           </a:p>
@@ -2973,7 +2973,7 @@
             <a:fld id="{4CF9E481-A6A7-A348-90D0-F489B0344A4E}" type="datetime1">
               <a:rPr lang="en-US" smtClean="0"/>
               <a:pPr/>
-              <a:t>5/6/2014</a:t>
+              <a:t>5/7/2014</a:t>
             </a:fld>
             <a:endParaRPr lang="en-US"/>
           </a:p>
@@ -3216,7 +3216,7 @@
             <a:fld id="{5A5E57AA-B2D0-9542-BE82-6E97009B1C4E}" type="datetime1">
               <a:rPr lang="en-US" smtClean="0"/>
               <a:pPr/>
-              <a:t>5/6/2014</a:t>
+              <a:t>5/7/2014</a:t>
             </a:fld>
             <a:endParaRPr lang="en-US"/>
           </a:p>
@@ -3501,7 +3501,7 @@
             <a:fld id="{53C5879A-F294-9946-9049-AEA09E5BB65C}" type="datetime1">
               <a:rPr lang="en-US" smtClean="0"/>
               <a:pPr/>
-              <a:t>5/6/2014</a:t>
+              <a:t>5/7/2014</a:t>
             </a:fld>
             <a:endParaRPr lang="en-US"/>
           </a:p>
@@ -3920,7 +3920,7 @@
             <a:fld id="{29628E8E-E6F9-F149-ABE2-5B9FE24A1EE9}" type="datetime1">
               <a:rPr lang="en-US" smtClean="0"/>
               <a:pPr/>
-              <a:t>5/6/2014</a:t>
+              <a:t>5/7/2014</a:t>
             </a:fld>
             <a:endParaRPr lang="en-US"/>
           </a:p>
@@ -4035,7 +4035,7 @@
             <a:fld id="{534694D6-E286-C449-B838-77F4302685A5}" type="datetime1">
               <a:rPr lang="en-US" smtClean="0"/>
               <a:pPr/>
-              <a:t>5/6/2014</a:t>
+              <a:t>5/7/2014</a:t>
             </a:fld>
             <a:endParaRPr lang="en-US"/>
           </a:p>
@@ -4127,7 +4127,7 @@
             <a:fld id="{C543477C-1A80-CE40-8592-179D3E91B1D7}" type="datetime1">
               <a:rPr lang="en-US" smtClean="0"/>
               <a:pPr/>
-              <a:t>5/6/2014</a:t>
+              <a:t>5/7/2014</a:t>
             </a:fld>
             <a:endParaRPr lang="en-US"/>
           </a:p>
@@ -4401,7 +4401,7 @@
             <a:fld id="{C20E74CE-19E7-E94B-B2BA-7D0083CC0E14}" type="datetime1">
               <a:rPr lang="en-US" smtClean="0"/>
               <a:pPr/>
-              <a:t>5/6/2014</a:t>
+              <a:t>5/7/2014</a:t>
             </a:fld>
             <a:endParaRPr lang="en-US"/>
           </a:p>
@@ -4568,7 +4568,7 @@
             <a:fld id="{47FAFF3A-3CF6-1F4C-9B10-D041B65BB86A}" type="datetime1">
               <a:rPr lang="en-US" smtClean="0"/>
               <a:pPr/>
-              <a:t>5/6/2014</a:t>
+              <a:t>5/7/2014</a:t>
             </a:fld>
             <a:endParaRPr lang="en-US"/>
           </a:p>
@@ -4824,7 +4824,7 @@
             <a:fld id="{5EA1A16A-E975-FD45-8B19-6CB9BD698A31}" type="datetime1">
               <a:rPr lang="en-US" smtClean="0"/>
               <a:pPr/>
-              <a:t>5/6/2014</a:t>
+              <a:t>5/7/2014</a:t>
             </a:fld>
             <a:endParaRPr lang="en-US"/>
           </a:p>
@@ -4991,7 +4991,7 @@
             <a:fld id="{343F9416-490C-6A4E-B82A-9188413D04DE}" type="datetime1">
               <a:rPr lang="en-US" smtClean="0"/>
               <a:pPr/>
-              <a:t>5/6/2014</a:t>
+              <a:t>5/7/2014</a:t>
             </a:fld>
             <a:endParaRPr lang="en-US"/>
           </a:p>
@@ -5168,7 +5168,7 @@
             <a:fld id="{512304B5-89DE-CF47-B6A6-AC2C0EBF33F4}" type="datetime1">
               <a:rPr lang="en-US" smtClean="0"/>
               <a:pPr/>
-              <a:t>5/6/2014</a:t>
+              <a:t>5/7/2014</a:t>
             </a:fld>
             <a:endParaRPr lang="en-US"/>
           </a:p>
@@ -5411,7 +5411,7 @@
             <a:fld id="{AE737969-01FE-8B48-B8C2-021D5D0CF10E}" type="datetime1">
               <a:rPr lang="en-US" smtClean="0"/>
               <a:pPr/>
-              <a:t>5/6/2014</a:t>
+              <a:t>5/7/2014</a:t>
             </a:fld>
             <a:endParaRPr lang="en-US"/>
           </a:p>
@@ -5696,7 +5696,7 @@
             <a:fld id="{832D05B7-F591-E24F-81C6-9F9BF66C33A3}" type="datetime1">
               <a:rPr lang="en-US" smtClean="0"/>
               <a:pPr/>
-              <a:t>5/6/2014</a:t>
+              <a:t>5/7/2014</a:t>
             </a:fld>
             <a:endParaRPr lang="en-US"/>
           </a:p>
@@ -6115,7 +6115,7 @@
             <a:fld id="{064F0AD2-A256-3643-BBDD-E1237D986062}" type="datetime1">
               <a:rPr lang="en-US" smtClean="0"/>
               <a:pPr/>
-              <a:t>5/6/2014</a:t>
+              <a:t>5/7/2014</a:t>
             </a:fld>
             <a:endParaRPr lang="en-US"/>
           </a:p>
@@ -6230,7 +6230,7 @@
             <a:fld id="{D1D625B6-C6F8-9640-ADA1-34CBE656D510}" type="datetime1">
               <a:rPr lang="en-US" smtClean="0"/>
               <a:pPr/>
-              <a:t>5/6/2014</a:t>
+              <a:t>5/7/2014</a:t>
             </a:fld>
             <a:endParaRPr lang="en-US"/>
           </a:p>
@@ -6322,7 +6322,7 @@
             <a:fld id="{CE2883AD-69D5-A14D-AEDB-C0E412390144}" type="datetime1">
               <a:rPr lang="en-US" smtClean="0"/>
               <a:pPr/>
-              <a:t>5/6/2014</a:t>
+              <a:t>5/7/2014</a:t>
             </a:fld>
             <a:endParaRPr lang="en-US"/>
           </a:p>
@@ -6596,7 +6596,7 @@
             <a:fld id="{23C5AB1D-B131-5845-A557-6E90F8692FFD}" type="datetime1">
               <a:rPr lang="en-US" smtClean="0"/>
               <a:pPr/>
-              <a:t>5/6/2014</a:t>
+              <a:t>5/7/2014</a:t>
             </a:fld>
             <a:endParaRPr lang="en-US"/>
           </a:p>
@@ -6846,7 +6846,7 @@
             <a:fld id="{3E5FAFB5-169B-A047-AD09-50B1DD1CDA6A}" type="datetime1">
               <a:rPr lang="en-US" smtClean="0"/>
               <a:pPr/>
-              <a:t>5/6/2014</a:t>
+              <a:t>5/7/2014</a:t>
             </a:fld>
             <a:endParaRPr lang="en-US"/>
           </a:p>
@@ -7056,7 +7056,7 @@
             <a:fld id="{4B9A343B-4A7D-B242-BE3C-11B9F0D31BD1}" type="datetime1">
               <a:rPr lang="en-US" smtClean="0"/>
               <a:pPr/>
-              <a:t>5/6/2014</a:t>
+              <a:t>5/7/2014</a:t>
             </a:fld>
             <a:endParaRPr lang="en-US"/>
           </a:p>
@@ -7216,7 +7216,7 @@
           <p:nvPr userDrawn="1"/>
         </p:nvPicPr>
         <mc:AlternateContent xmlns:mc="http://schemas.openxmlformats.org/markup-compatibility/2006">
-          <mc:Choice xmlns="" xmlns:mv="urn:schemas-microsoft-com:mac:vml" xmlns:ma="http://schemas.microsoft.com/office/mac/drawingml/2008/main" Requires="ma">
+          <mc:Choice xmlns:ma="http://schemas.microsoft.com/office/mac/drawingml/2008/main" xmlns:mv="urn:schemas-microsoft-com:mac:vml" xmlns="" Requires="ma">
             <p:blipFill>
               <a:blip r:embed="rId15"/>
               <a:srcRect l="-5579" r="-5579"/>
@@ -7760,7 +7760,7 @@
             <a:fld id="{F9707BF8-223B-9D48-B5EC-AED0E1259D01}" type="datetime1">
               <a:rPr lang="en-US" smtClean="0"/>
               <a:pPr/>
-              <a:t>5/6/2014</a:t>
+              <a:t>5/7/2014</a:t>
             </a:fld>
             <a:endParaRPr lang="en-US"/>
           </a:p>
@@ -16845,7 +16845,7 @@
           <p:nvPr>
             <p:extLst>
               <p:ext uri="{D42A27DB-BD31-4B8C-83A1-F6EECF244321}">
-                <p14:modId xmlns:p14="http://schemas.microsoft.com/office/powerpoint/2010/main" val="834163550"/>
+                <p14:modId xmlns:p14="http://schemas.microsoft.com/office/powerpoint/2010/main" val="3762168471"/>
               </p:ext>
             </p:extLst>
           </p:nvPr>
@@ -16991,11 +16991,18 @@
                       </a:pPr>
                       <a:r>
                         <a:rPr lang="en-US" dirty="0" smtClean="0">
+                          <a:solidFill>
+                            <a:srgbClr val="00B050"/>
+                          </a:solidFill>
                           <a:sym typeface="Wingdings"/>
                         </a:rPr>
                         <a:t></a:t>
                       </a:r>
-                      <a:endParaRPr lang="en-US" dirty="0" smtClean="0"/>
+                      <a:endParaRPr lang="en-US" dirty="0" smtClean="0">
+                        <a:solidFill>
+                          <a:srgbClr val="00B050"/>
+                        </a:solidFill>
+                      </a:endParaRPr>
                     </a:p>
                   </a:txBody>
                   <a:tcPr anchor="ctr"/>
@@ -17024,14 +17031,25 @@
                       </a:pPr>
                       <a:r>
                         <a:rPr lang="en-US" dirty="0" smtClean="0">
+                          <a:solidFill>
+                            <a:srgbClr val="00B050"/>
+                          </a:solidFill>
                           <a:sym typeface="Wingdings"/>
                         </a:rPr>
                         <a:t></a:t>
                       </a:r>
-                      <a:endParaRPr lang="en-US" dirty="0" smtClean="0"/>
+                      <a:endParaRPr lang="en-US" dirty="0" smtClean="0">
+                        <a:solidFill>
+                          <a:srgbClr val="00B050"/>
+                        </a:solidFill>
+                      </a:endParaRPr>
                     </a:p>
                   </a:txBody>
-                  <a:tcPr anchor="ctr"/>
+                  <a:tcPr anchor="ctr">
+                    <a:solidFill>
+                      <a:srgbClr val="FFFF00"/>
+                    </a:solidFill>
+                  </a:tcPr>
                 </a:tc>
               </a:tr>
               <a:tr h="651951">
@@ -17074,11 +17092,18 @@
                       </a:pPr>
                       <a:r>
                         <a:rPr lang="en-US" dirty="0" smtClean="0">
+                          <a:solidFill>
+                            <a:srgbClr val="00B050"/>
+                          </a:solidFill>
                           <a:sym typeface="Wingdings"/>
                         </a:rPr>
                         <a:t></a:t>
                       </a:r>
-                      <a:endParaRPr lang="en-US" dirty="0" smtClean="0"/>
+                      <a:endParaRPr lang="en-US" dirty="0" smtClean="0">
+                        <a:solidFill>
+                          <a:srgbClr val="00B050"/>
+                        </a:solidFill>
+                      </a:endParaRPr>
                     </a:p>
                   </a:txBody>
                   <a:tcPr anchor="ctr"/>
@@ -17107,11 +17132,18 @@
                       </a:pPr>
                       <a:r>
                         <a:rPr lang="en-US" dirty="0" smtClean="0">
+                          <a:solidFill>
+                            <a:srgbClr val="00B050"/>
+                          </a:solidFill>
                           <a:sym typeface="Wingdings"/>
                         </a:rPr>
                         <a:t></a:t>
                       </a:r>
-                      <a:endParaRPr lang="en-US" dirty="0" smtClean="0"/>
+                      <a:endParaRPr lang="en-US" dirty="0" smtClean="0">
+                        <a:solidFill>
+                          <a:srgbClr val="00B050"/>
+                        </a:solidFill>
+                      </a:endParaRPr>
                     </a:p>
                   </a:txBody>
                   <a:tcPr anchor="ctr"/>
@@ -17176,11 +17208,18 @@
                       </a:pPr>
                       <a:r>
                         <a:rPr lang="en-US" dirty="0" smtClean="0">
+                          <a:solidFill>
+                            <a:srgbClr val="00B050"/>
+                          </a:solidFill>
                           <a:sym typeface="Wingdings"/>
                         </a:rPr>
                         <a:t></a:t>
                       </a:r>
-                      <a:endParaRPr lang="en-US" dirty="0" smtClean="0"/>
+                      <a:endParaRPr lang="en-US" dirty="0" smtClean="0">
+                        <a:solidFill>
+                          <a:srgbClr val="00B050"/>
+                        </a:solidFill>
+                      </a:endParaRPr>
                     </a:p>
                   </a:txBody>
                   <a:tcPr anchor="ctr"/>
@@ -17276,11 +17315,18 @@
                       </a:pPr>
                       <a:r>
                         <a:rPr lang="en-US" dirty="0" smtClean="0">
+                          <a:solidFill>
+                            <a:srgbClr val="00B050"/>
+                          </a:solidFill>
                           <a:sym typeface="Wingdings"/>
                         </a:rPr>
                         <a:t></a:t>
                       </a:r>
-                      <a:endParaRPr lang="en-US" dirty="0" smtClean="0"/>
+                      <a:endParaRPr lang="en-US" dirty="0" smtClean="0">
+                        <a:solidFill>
+                          <a:srgbClr val="00B050"/>
+                        </a:solidFill>
+                      </a:endParaRPr>
                     </a:p>
                   </a:txBody>
                   <a:tcPr anchor="ctr"/>
@@ -17371,11 +17417,18 @@
                       </a:pPr>
                       <a:r>
                         <a:rPr lang="en-US" dirty="0" smtClean="0">
+                          <a:solidFill>
+                            <a:srgbClr val="00B050"/>
+                          </a:solidFill>
                           <a:sym typeface="Wingdings"/>
                         </a:rPr>
                         <a:t></a:t>
                       </a:r>
-                      <a:endParaRPr lang="en-US" dirty="0" smtClean="0"/>
+                      <a:endParaRPr lang="en-US" dirty="0" smtClean="0">
+                        <a:solidFill>
+                          <a:srgbClr val="00B050"/>
+                        </a:solidFill>
+                      </a:endParaRPr>
                     </a:p>
                   </a:txBody>
                   <a:tcPr anchor="ctr"/>
